--- a/Néveri_NS2019.pptx
+++ b/Néveri_NS2019.pptx
@@ -7,6 +7,19 @@
   <p:sldIdLst>
     <p:sldId id="256" r:id="rId2"/>
     <p:sldId id="257" r:id="rId3"/>
+    <p:sldId id="258" r:id="rId4"/>
+    <p:sldId id="259" r:id="rId5"/>
+    <p:sldId id="260" r:id="rId6"/>
+    <p:sldId id="261" r:id="rId7"/>
+    <p:sldId id="262" r:id="rId8"/>
+    <p:sldId id="263" r:id="rId9"/>
+    <p:sldId id="264" r:id="rId10"/>
+    <p:sldId id="265" r:id="rId11"/>
+    <p:sldId id="266" r:id="rId12"/>
+    <p:sldId id="267" r:id="rId13"/>
+    <p:sldId id="269" r:id="rId14"/>
+    <p:sldId id="268" r:id="rId15"/>
+    <p:sldId id="270" r:id="rId16"/>
   </p:sldIdLst>
   <p:sldSz cx="12192000" cy="6858000"/>
   <p:notesSz cx="6858000" cy="9144000"/>
@@ -12403,6 +12416,1601 @@
 </p:sld>
 </file>
 
+<file path=ppt/slides/slide10.xml><?xml version="1.0" encoding="utf-8"?>
+<p:sld xmlns:a="http://schemas.openxmlformats.org/drawingml/2006/main" xmlns:r="http://schemas.openxmlformats.org/officeDocument/2006/relationships" xmlns:p="http://schemas.openxmlformats.org/presentationml/2006/main">
+  <p:cSld>
+    <p:spTree>
+      <p:nvGrpSpPr>
+        <p:cNvPr id="1" name=""/>
+        <p:cNvGrpSpPr/>
+        <p:nvPr/>
+      </p:nvGrpSpPr>
+      <p:grpSpPr>
+        <a:xfrm>
+          <a:off x="0" y="0"/>
+          <a:ext cx="0" cy="0"/>
+          <a:chOff x="0" y="0"/>
+          <a:chExt cx="0" cy="0"/>
+        </a:xfrm>
+      </p:grpSpPr>
+      <p:sp>
+        <p:nvSpPr>
+          <p:cNvPr id="3" name="Tartalom helye 2"/>
+          <p:cNvSpPr>
+            <a:spLocks noGrp="1"/>
+          </p:cNvSpPr>
+          <p:nvPr>
+            <p:ph idx="1"/>
+          </p:nvPr>
+        </p:nvSpPr>
+        <p:spPr>
+          <a:xfrm>
+            <a:off x="1141412" y="339634"/>
+            <a:ext cx="9905999" cy="5982789"/>
+          </a:xfrm>
+        </p:spPr>
+        <p:txBody>
+          <a:bodyPr>
+            <a:normAutofit fontScale="92500" lnSpcReduction="20000"/>
+          </a:bodyPr>
+          <a:lstStyle/>
+          <a:p>
+            <a:pPr algn="just"/>
+            <a:r>
+              <a:rPr lang="hu-HU" dirty="0" err="1"/>
+              <a:t>Našu</a:t>
+            </a:r>
+            <a:r>
+              <a:rPr lang="hu-HU" dirty="0"/>
+              <a:t> </a:t>
+            </a:r>
+            <a:r>
+              <a:rPr lang="hu-HU" dirty="0" err="1"/>
+              <a:t>neurónovú</a:t>
+            </a:r>
+            <a:r>
+              <a:rPr lang="hu-HU" dirty="0"/>
+              <a:t> </a:t>
+            </a:r>
+            <a:r>
+              <a:rPr lang="hu-HU" dirty="0" err="1"/>
+              <a:t>sieť</a:t>
+            </a:r>
+            <a:r>
+              <a:rPr lang="hu-HU" dirty="0"/>
+              <a:t> </a:t>
+            </a:r>
+            <a:r>
+              <a:rPr lang="hu-HU" dirty="0" err="1"/>
+              <a:t>sme</a:t>
+            </a:r>
+            <a:r>
+              <a:rPr lang="hu-HU" dirty="0"/>
+              <a:t> </a:t>
+            </a:r>
+            <a:r>
+              <a:rPr lang="hu-HU" dirty="0" err="1"/>
+              <a:t>preškolili</a:t>
+            </a:r>
+            <a:r>
+              <a:rPr lang="hu-HU" dirty="0"/>
+              <a:t> na </a:t>
+            </a:r>
+            <a:r>
+              <a:rPr lang="hu-HU" dirty="0" err="1"/>
+              <a:t>celý</a:t>
+            </a:r>
+            <a:r>
+              <a:rPr lang="hu-HU" dirty="0"/>
+              <a:t> </a:t>
+            </a:r>
+            <a:r>
+              <a:rPr lang="hu-HU" dirty="0" err="1"/>
+              <a:t>súbor</a:t>
+            </a:r>
+            <a:r>
+              <a:rPr lang="hu-HU" dirty="0"/>
+              <a:t> </a:t>
+            </a:r>
+            <a:r>
+              <a:rPr lang="hu-HU" dirty="0" err="1"/>
+              <a:t>údajov</a:t>
+            </a:r>
+            <a:r>
+              <a:rPr lang="hu-HU" dirty="0"/>
+              <a:t> a </a:t>
+            </a:r>
+            <a:r>
+              <a:rPr lang="hu-HU" dirty="0" err="1"/>
+              <a:t>môžeme</a:t>
+            </a:r>
+            <a:r>
+              <a:rPr lang="hu-HU" dirty="0"/>
+              <a:t> </a:t>
+            </a:r>
+            <a:r>
+              <a:rPr lang="hu-HU" dirty="0" err="1"/>
+              <a:t>vyhodnotiť</a:t>
+            </a:r>
+            <a:r>
+              <a:rPr lang="hu-HU" dirty="0"/>
+              <a:t> </a:t>
+            </a:r>
+            <a:r>
+              <a:rPr lang="hu-HU" dirty="0" err="1"/>
+              <a:t>výkon</a:t>
+            </a:r>
+            <a:r>
+              <a:rPr lang="hu-HU" dirty="0"/>
+              <a:t> </a:t>
+            </a:r>
+            <a:r>
+              <a:rPr lang="hu-HU" dirty="0" err="1"/>
+              <a:t>siete</a:t>
+            </a:r>
+            <a:r>
+              <a:rPr lang="hu-HU" dirty="0"/>
+              <a:t> na </a:t>
+            </a:r>
+            <a:r>
+              <a:rPr lang="hu-HU" dirty="0" err="1"/>
+              <a:t>rovnakom</a:t>
+            </a:r>
+            <a:r>
+              <a:rPr lang="hu-HU" dirty="0"/>
+              <a:t> </a:t>
+            </a:r>
+            <a:r>
+              <a:rPr lang="hu-HU" dirty="0" err="1"/>
+              <a:t>súbore</a:t>
+            </a:r>
+            <a:r>
+              <a:rPr lang="hu-HU" dirty="0"/>
+              <a:t> </a:t>
+            </a:r>
+            <a:r>
+              <a:rPr lang="hu-HU" dirty="0" err="1"/>
+              <a:t>údajov</a:t>
+            </a:r>
+            <a:r>
+              <a:rPr lang="hu-HU" dirty="0" smtClean="0"/>
+              <a:t>.</a:t>
+            </a:r>
+            <a:endParaRPr lang="hu-HU" dirty="0"/>
+          </a:p>
+          <a:p>
+            <a:pPr algn="just"/>
+            <a:r>
+              <a:rPr lang="hu-HU" dirty="0" err="1"/>
+              <a:t>Toto</a:t>
+            </a:r>
+            <a:r>
+              <a:rPr lang="hu-HU" dirty="0"/>
+              <a:t> </a:t>
+            </a:r>
+            <a:r>
+              <a:rPr lang="hu-HU" dirty="0" err="1"/>
+              <a:t>nám</a:t>
+            </a:r>
+            <a:r>
+              <a:rPr lang="hu-HU" dirty="0"/>
+              <a:t> </a:t>
+            </a:r>
+            <a:r>
+              <a:rPr lang="hu-HU" dirty="0" err="1"/>
+              <a:t>poskytne</a:t>
+            </a:r>
+            <a:r>
+              <a:rPr lang="hu-HU" dirty="0"/>
+              <a:t> </a:t>
+            </a:r>
+            <a:r>
+              <a:rPr lang="hu-HU" dirty="0" err="1"/>
+              <a:t>iba</a:t>
+            </a:r>
+            <a:r>
+              <a:rPr lang="hu-HU" dirty="0"/>
+              <a:t> </a:t>
+            </a:r>
+            <a:r>
+              <a:rPr lang="hu-HU" dirty="0" err="1"/>
+              <a:t>predstavu</a:t>
+            </a:r>
+            <a:r>
+              <a:rPr lang="hu-HU" dirty="0"/>
+              <a:t> o </a:t>
+            </a:r>
+            <a:r>
+              <a:rPr lang="hu-HU" dirty="0" err="1"/>
+              <a:t>tom</a:t>
+            </a:r>
+            <a:r>
+              <a:rPr lang="hu-HU" dirty="0"/>
+              <a:t>, </a:t>
+            </a:r>
+            <a:r>
+              <a:rPr lang="hu-HU" dirty="0" err="1"/>
+              <a:t>ako</a:t>
+            </a:r>
+            <a:r>
+              <a:rPr lang="hu-HU" dirty="0"/>
+              <a:t> </a:t>
+            </a:r>
+            <a:r>
+              <a:rPr lang="hu-HU" dirty="0" err="1"/>
+              <a:t>dobre</a:t>
+            </a:r>
+            <a:r>
+              <a:rPr lang="hu-HU" dirty="0"/>
+              <a:t> </a:t>
+            </a:r>
+            <a:r>
+              <a:rPr lang="hu-HU" dirty="0" err="1"/>
+              <a:t>sme</a:t>
+            </a:r>
+            <a:r>
+              <a:rPr lang="hu-HU" dirty="0"/>
+              <a:t> </a:t>
+            </a:r>
+            <a:r>
+              <a:rPr lang="hu-HU" dirty="0" err="1"/>
+              <a:t>modelovali</a:t>
+            </a:r>
+            <a:r>
+              <a:rPr lang="hu-HU" dirty="0"/>
+              <a:t> </a:t>
+            </a:r>
+            <a:r>
+              <a:rPr lang="hu-HU" dirty="0" err="1"/>
+              <a:t>množinu</a:t>
+            </a:r>
+            <a:r>
+              <a:rPr lang="hu-HU" dirty="0"/>
+              <a:t> </a:t>
+            </a:r>
+            <a:r>
+              <a:rPr lang="hu-HU" dirty="0" err="1"/>
+              <a:t>údajov</a:t>
+            </a:r>
+            <a:r>
+              <a:rPr lang="hu-HU" dirty="0"/>
+              <a:t> (</a:t>
+            </a:r>
+            <a:r>
+              <a:rPr lang="hu-HU" dirty="0" err="1"/>
+              <a:t>napr</a:t>
+            </a:r>
+            <a:r>
+              <a:rPr lang="hu-HU" dirty="0"/>
+              <a:t>. </a:t>
+            </a:r>
+            <a:r>
+              <a:rPr lang="hu-HU" dirty="0" err="1"/>
+              <a:t>Presnosť</a:t>
+            </a:r>
+            <a:r>
+              <a:rPr lang="hu-HU" dirty="0"/>
+              <a:t> </a:t>
+            </a:r>
+            <a:r>
+              <a:rPr lang="hu-HU" dirty="0" err="1"/>
+              <a:t>vlaku</a:t>
+            </a:r>
+            <a:r>
+              <a:rPr lang="hu-HU" dirty="0"/>
+              <a:t>), </a:t>
+            </a:r>
+            <a:r>
+              <a:rPr lang="hu-HU" dirty="0" err="1"/>
+              <a:t>ale</a:t>
+            </a:r>
+            <a:r>
+              <a:rPr lang="hu-HU" dirty="0"/>
+              <a:t> </a:t>
+            </a:r>
+            <a:r>
+              <a:rPr lang="hu-HU" dirty="0" err="1"/>
+              <a:t>netušíme</a:t>
+            </a:r>
+            <a:r>
+              <a:rPr lang="hu-HU" dirty="0"/>
+              <a:t>, </a:t>
+            </a:r>
+            <a:r>
+              <a:rPr lang="hu-HU" dirty="0" err="1"/>
+              <a:t>ako</a:t>
+            </a:r>
+            <a:r>
+              <a:rPr lang="hu-HU" dirty="0"/>
+              <a:t> </a:t>
+            </a:r>
+            <a:r>
+              <a:rPr lang="hu-HU" dirty="0" err="1"/>
+              <a:t>dobre</a:t>
+            </a:r>
+            <a:r>
+              <a:rPr lang="hu-HU" dirty="0"/>
+              <a:t> </a:t>
+            </a:r>
+            <a:r>
+              <a:rPr lang="hu-HU" dirty="0" err="1"/>
+              <a:t>by</a:t>
+            </a:r>
+            <a:r>
+              <a:rPr lang="hu-HU" dirty="0"/>
+              <a:t> algoritmus </a:t>
+            </a:r>
+            <a:r>
+              <a:rPr lang="hu-HU" dirty="0" err="1"/>
+              <a:t>mohol</a:t>
+            </a:r>
+            <a:r>
+              <a:rPr lang="hu-HU" dirty="0"/>
+              <a:t> </a:t>
+            </a:r>
+            <a:r>
+              <a:rPr lang="hu-HU" dirty="0" err="1"/>
+              <a:t>fungovať</a:t>
+            </a:r>
+            <a:r>
+              <a:rPr lang="hu-HU" dirty="0"/>
+              <a:t> </a:t>
+            </a:r>
+            <a:r>
+              <a:rPr lang="hu-HU" dirty="0" err="1"/>
+              <a:t>pri</a:t>
+            </a:r>
+            <a:r>
+              <a:rPr lang="hu-HU" dirty="0"/>
+              <a:t> </a:t>
+            </a:r>
+            <a:r>
+              <a:rPr lang="hu-HU" dirty="0" err="1"/>
+              <a:t>nových</a:t>
+            </a:r>
+            <a:r>
+              <a:rPr lang="hu-HU" dirty="0"/>
+              <a:t> </a:t>
+            </a:r>
+            <a:r>
+              <a:rPr lang="hu-HU" dirty="0" err="1"/>
+              <a:t>údajoch</a:t>
+            </a:r>
+            <a:r>
+              <a:rPr lang="hu-HU" dirty="0"/>
+              <a:t>. </a:t>
+            </a:r>
+            <a:r>
+              <a:rPr lang="hu-HU" dirty="0" err="1"/>
+              <a:t>Urobili</a:t>
+            </a:r>
+            <a:r>
+              <a:rPr lang="hu-HU" dirty="0"/>
+              <a:t> </a:t>
+            </a:r>
+            <a:r>
+              <a:rPr lang="hu-HU" dirty="0" err="1"/>
+              <a:t>sme</a:t>
+            </a:r>
+            <a:r>
+              <a:rPr lang="hu-HU" dirty="0"/>
+              <a:t> </a:t>
+            </a:r>
+            <a:r>
+              <a:rPr lang="hu-HU" dirty="0" err="1"/>
+              <a:t>to</a:t>
+            </a:r>
+            <a:r>
+              <a:rPr lang="hu-HU" dirty="0"/>
+              <a:t> pre </a:t>
+            </a:r>
+            <a:r>
+              <a:rPr lang="hu-HU" dirty="0" err="1"/>
+              <a:t>jednoduchosť</a:t>
+            </a:r>
+            <a:r>
+              <a:rPr lang="hu-HU" dirty="0"/>
+              <a:t>, </a:t>
+            </a:r>
+            <a:r>
+              <a:rPr lang="hu-HU" dirty="0" err="1"/>
+              <a:t>ale</a:t>
+            </a:r>
+            <a:r>
+              <a:rPr lang="hu-HU" dirty="0"/>
+              <a:t> v </a:t>
+            </a:r>
+            <a:r>
+              <a:rPr lang="hu-HU" dirty="0" err="1"/>
+              <a:t>ideálnom</a:t>
+            </a:r>
+            <a:r>
+              <a:rPr lang="hu-HU" dirty="0"/>
+              <a:t> </a:t>
+            </a:r>
+            <a:r>
+              <a:rPr lang="hu-HU" dirty="0" err="1"/>
+              <a:t>prípade</a:t>
+            </a:r>
+            <a:r>
+              <a:rPr lang="hu-HU" dirty="0"/>
+              <a:t> </a:t>
+            </a:r>
+            <a:r>
+              <a:rPr lang="hu-HU" dirty="0" err="1"/>
+              <a:t>by</a:t>
+            </a:r>
+            <a:r>
+              <a:rPr lang="hu-HU" dirty="0"/>
+              <a:t> </a:t>
+            </a:r>
+            <a:r>
+              <a:rPr lang="hu-HU" dirty="0" err="1"/>
+              <a:t>ste</a:t>
+            </a:r>
+            <a:r>
+              <a:rPr lang="hu-HU" dirty="0"/>
+              <a:t> </a:t>
+            </a:r>
+            <a:r>
+              <a:rPr lang="hu-HU" dirty="0" err="1"/>
+              <a:t>mohli</a:t>
+            </a:r>
+            <a:r>
+              <a:rPr lang="hu-HU" dirty="0"/>
+              <a:t> </a:t>
+            </a:r>
+            <a:r>
+              <a:rPr lang="hu-HU" dirty="0" err="1"/>
+              <a:t>svoje</a:t>
+            </a:r>
+            <a:r>
+              <a:rPr lang="hu-HU" dirty="0"/>
+              <a:t> </a:t>
+            </a:r>
+            <a:r>
+              <a:rPr lang="hu-HU" dirty="0" err="1"/>
+              <a:t>údaje</a:t>
+            </a:r>
+            <a:r>
+              <a:rPr lang="hu-HU" dirty="0"/>
+              <a:t> </a:t>
+            </a:r>
+            <a:r>
+              <a:rPr lang="hu-HU" dirty="0" err="1"/>
+              <a:t>rozdeliť</a:t>
+            </a:r>
+            <a:r>
+              <a:rPr lang="hu-HU" dirty="0"/>
+              <a:t> </a:t>
+            </a:r>
+            <a:r>
+              <a:rPr lang="hu-HU" dirty="0" err="1"/>
+              <a:t>do</a:t>
+            </a:r>
+            <a:r>
+              <a:rPr lang="hu-HU" dirty="0"/>
+              <a:t> </a:t>
+            </a:r>
+            <a:r>
+              <a:rPr lang="hu-HU" dirty="0" err="1"/>
+              <a:t>súborov</a:t>
+            </a:r>
+            <a:r>
+              <a:rPr lang="hu-HU" dirty="0"/>
+              <a:t> </a:t>
+            </a:r>
+            <a:r>
+              <a:rPr lang="hu-HU" dirty="0" err="1"/>
+              <a:t>údajov</a:t>
+            </a:r>
+            <a:r>
+              <a:rPr lang="hu-HU" dirty="0"/>
+              <a:t> o </a:t>
+            </a:r>
+            <a:r>
+              <a:rPr lang="hu-HU" dirty="0" err="1"/>
+              <a:t>skúškach</a:t>
+            </a:r>
+            <a:r>
+              <a:rPr lang="hu-HU" dirty="0"/>
+              <a:t> a </a:t>
+            </a:r>
+            <a:r>
+              <a:rPr lang="hu-HU" dirty="0" err="1"/>
+              <a:t>testoch</a:t>
+            </a:r>
+            <a:r>
+              <a:rPr lang="hu-HU" dirty="0"/>
+              <a:t>, </a:t>
+            </a:r>
+            <a:r>
+              <a:rPr lang="hu-HU" dirty="0" err="1"/>
+              <a:t>aby</a:t>
+            </a:r>
+            <a:r>
+              <a:rPr lang="hu-HU" dirty="0"/>
+              <a:t> </a:t>
+            </a:r>
+            <a:r>
+              <a:rPr lang="hu-HU" dirty="0" err="1"/>
+              <a:t>ste</a:t>
+            </a:r>
+            <a:r>
+              <a:rPr lang="hu-HU" dirty="0"/>
+              <a:t> </a:t>
+            </a:r>
+            <a:r>
+              <a:rPr lang="hu-HU" dirty="0" err="1"/>
+              <a:t>mohli</a:t>
+            </a:r>
+            <a:r>
+              <a:rPr lang="hu-HU" dirty="0"/>
+              <a:t> </a:t>
+            </a:r>
+            <a:r>
+              <a:rPr lang="hu-HU" dirty="0" err="1"/>
+              <a:t>trénovať</a:t>
+            </a:r>
+            <a:r>
+              <a:rPr lang="hu-HU" dirty="0"/>
+              <a:t> a </a:t>
+            </a:r>
+            <a:r>
+              <a:rPr lang="hu-HU" dirty="0" err="1"/>
+              <a:t>hodnotiť</a:t>
+            </a:r>
+            <a:r>
+              <a:rPr lang="hu-HU" dirty="0"/>
+              <a:t> </a:t>
+            </a:r>
+            <a:r>
+              <a:rPr lang="hu-HU" dirty="0" err="1"/>
+              <a:t>váš</a:t>
+            </a:r>
+            <a:r>
+              <a:rPr lang="hu-HU" dirty="0"/>
+              <a:t> </a:t>
+            </a:r>
+            <a:r>
+              <a:rPr lang="hu-HU" dirty="0" err="1"/>
+              <a:t>model</a:t>
+            </a:r>
+            <a:r>
+              <a:rPr lang="hu-HU" dirty="0" smtClean="0"/>
+              <a:t>.</a:t>
+            </a:r>
+            <a:endParaRPr lang="hu-HU" dirty="0"/>
+          </a:p>
+          <a:p>
+            <a:pPr algn="just"/>
+            <a:r>
+              <a:rPr lang="hu-HU" dirty="0" err="1"/>
+              <a:t>Model</a:t>
+            </a:r>
+            <a:r>
+              <a:rPr lang="hu-HU" dirty="0"/>
+              <a:t> </a:t>
+            </a:r>
+            <a:r>
+              <a:rPr lang="hu-HU" dirty="0" err="1"/>
+              <a:t>môžete</a:t>
+            </a:r>
+            <a:r>
+              <a:rPr lang="hu-HU" dirty="0"/>
+              <a:t> </a:t>
+            </a:r>
+            <a:r>
+              <a:rPr lang="hu-HU" dirty="0" err="1"/>
+              <a:t>vyhodnotiť</a:t>
+            </a:r>
+            <a:r>
+              <a:rPr lang="hu-HU" dirty="0"/>
+              <a:t> na </a:t>
+            </a:r>
+            <a:r>
+              <a:rPr lang="hu-HU" dirty="0" err="1"/>
+              <a:t>vašom</a:t>
+            </a:r>
+            <a:r>
+              <a:rPr lang="hu-HU" dirty="0"/>
+              <a:t> </a:t>
+            </a:r>
+            <a:r>
+              <a:rPr lang="hu-HU" dirty="0" err="1"/>
+              <a:t>súbore</a:t>
+            </a:r>
+            <a:r>
+              <a:rPr lang="hu-HU" dirty="0"/>
+              <a:t> </a:t>
+            </a:r>
+            <a:r>
+              <a:rPr lang="hu-HU" dirty="0" err="1"/>
+              <a:t>údajov</a:t>
+            </a:r>
+            <a:r>
+              <a:rPr lang="hu-HU" dirty="0"/>
+              <a:t> o </a:t>
+            </a:r>
+            <a:r>
+              <a:rPr lang="hu-HU" dirty="0" err="1"/>
+              <a:t>školení</a:t>
+            </a:r>
+            <a:r>
+              <a:rPr lang="hu-HU" dirty="0"/>
+              <a:t> </a:t>
+            </a:r>
+            <a:r>
+              <a:rPr lang="hu-HU" dirty="0" err="1"/>
+              <a:t>pomocou</a:t>
+            </a:r>
+            <a:r>
+              <a:rPr lang="hu-HU" dirty="0"/>
+              <a:t> </a:t>
+            </a:r>
+            <a:r>
+              <a:rPr lang="hu-HU" dirty="0" err="1"/>
+              <a:t>funkcie</a:t>
+            </a:r>
+            <a:r>
+              <a:rPr lang="hu-HU" dirty="0"/>
+              <a:t> </a:t>
+            </a:r>
+            <a:r>
+              <a:rPr lang="hu-HU" dirty="0" err="1"/>
+              <a:t>Evalu</a:t>
+            </a:r>
+            <a:r>
+              <a:rPr lang="hu-HU" dirty="0"/>
+              <a:t> () na </a:t>
+            </a:r>
+            <a:r>
+              <a:rPr lang="hu-HU" dirty="0" err="1"/>
+              <a:t>vašom</a:t>
+            </a:r>
+            <a:r>
+              <a:rPr lang="hu-HU" dirty="0"/>
+              <a:t> </a:t>
+            </a:r>
+            <a:r>
+              <a:rPr lang="hu-HU" dirty="0" err="1"/>
+              <a:t>modeli</a:t>
+            </a:r>
+            <a:r>
+              <a:rPr lang="hu-HU" dirty="0"/>
+              <a:t> a </a:t>
+            </a:r>
+            <a:r>
+              <a:rPr lang="hu-HU" dirty="0" err="1"/>
+              <a:t>odovzdať</a:t>
+            </a:r>
+            <a:r>
+              <a:rPr lang="hu-HU" dirty="0"/>
+              <a:t> </a:t>
+            </a:r>
+            <a:r>
+              <a:rPr lang="hu-HU" dirty="0" err="1"/>
+              <a:t>mu</a:t>
+            </a:r>
+            <a:r>
+              <a:rPr lang="hu-HU" dirty="0"/>
+              <a:t> </a:t>
+            </a:r>
+            <a:r>
+              <a:rPr lang="hu-HU" dirty="0" err="1"/>
+              <a:t>rovnaký</a:t>
+            </a:r>
+            <a:r>
+              <a:rPr lang="hu-HU" dirty="0"/>
+              <a:t> </a:t>
+            </a:r>
+            <a:r>
+              <a:rPr lang="hu-HU" dirty="0" err="1"/>
+              <a:t>vstup</a:t>
+            </a:r>
+            <a:r>
+              <a:rPr lang="hu-HU" dirty="0"/>
+              <a:t> a </a:t>
+            </a:r>
+            <a:r>
+              <a:rPr lang="hu-HU" dirty="0" err="1"/>
+              <a:t>výstup</a:t>
+            </a:r>
+            <a:r>
+              <a:rPr lang="hu-HU" dirty="0"/>
+              <a:t>, </a:t>
+            </a:r>
+            <a:r>
+              <a:rPr lang="hu-HU" dirty="0" err="1"/>
+              <a:t>aký</a:t>
+            </a:r>
+            <a:r>
+              <a:rPr lang="hu-HU" dirty="0"/>
+              <a:t> </a:t>
+            </a:r>
+            <a:r>
+              <a:rPr lang="hu-HU" dirty="0" err="1"/>
+              <a:t>sa</a:t>
+            </a:r>
+            <a:r>
+              <a:rPr lang="hu-HU" dirty="0"/>
+              <a:t> </a:t>
+            </a:r>
+            <a:r>
+              <a:rPr lang="hu-HU" dirty="0" err="1"/>
+              <a:t>použil</a:t>
+            </a:r>
+            <a:r>
+              <a:rPr lang="hu-HU" dirty="0"/>
+              <a:t> na </a:t>
+            </a:r>
+            <a:r>
+              <a:rPr lang="hu-HU" dirty="0" err="1"/>
+              <a:t>trénovanie</a:t>
+            </a:r>
+            <a:r>
+              <a:rPr lang="hu-HU" dirty="0"/>
+              <a:t> </a:t>
+            </a:r>
+            <a:r>
+              <a:rPr lang="hu-HU" dirty="0" err="1"/>
+              <a:t>modelu</a:t>
+            </a:r>
+            <a:r>
+              <a:rPr lang="hu-HU" dirty="0" smtClean="0"/>
+              <a:t>.</a:t>
+            </a:r>
+            <a:endParaRPr lang="hu-HU" dirty="0"/>
+          </a:p>
+          <a:p>
+            <a:pPr algn="just"/>
+            <a:r>
+              <a:rPr lang="hu-HU" dirty="0" err="1"/>
+              <a:t>Takto</a:t>
+            </a:r>
+            <a:r>
+              <a:rPr lang="hu-HU" dirty="0"/>
+              <a:t> </a:t>
+            </a:r>
+            <a:r>
+              <a:rPr lang="hu-HU" dirty="0" err="1"/>
+              <a:t>sa</a:t>
+            </a:r>
+            <a:r>
+              <a:rPr lang="hu-HU" dirty="0"/>
+              <a:t> </a:t>
+            </a:r>
+            <a:r>
+              <a:rPr lang="hu-HU" dirty="0" err="1"/>
+              <a:t>vytvorí</a:t>
+            </a:r>
+            <a:r>
+              <a:rPr lang="hu-HU" dirty="0"/>
+              <a:t> </a:t>
+            </a:r>
+            <a:r>
+              <a:rPr lang="hu-HU" dirty="0" err="1"/>
+              <a:t>predpoveď</a:t>
+            </a:r>
+            <a:r>
+              <a:rPr lang="hu-HU" dirty="0"/>
+              <a:t> pre </a:t>
+            </a:r>
+            <a:r>
+              <a:rPr lang="hu-HU" dirty="0" err="1"/>
+              <a:t>každú</a:t>
+            </a:r>
+            <a:r>
+              <a:rPr lang="hu-HU" dirty="0"/>
+              <a:t> </a:t>
+            </a:r>
+            <a:r>
+              <a:rPr lang="hu-HU" dirty="0" err="1"/>
+              <a:t>dvojicu</a:t>
+            </a:r>
+            <a:r>
+              <a:rPr lang="hu-HU" dirty="0"/>
+              <a:t> </a:t>
+            </a:r>
+            <a:r>
+              <a:rPr lang="hu-HU" dirty="0" err="1"/>
+              <a:t>vstupov</a:t>
+            </a:r>
+            <a:r>
+              <a:rPr lang="hu-HU" dirty="0"/>
+              <a:t> a </a:t>
+            </a:r>
+            <a:r>
+              <a:rPr lang="hu-HU" dirty="0" err="1"/>
+              <a:t>výstupov</a:t>
+            </a:r>
+            <a:r>
+              <a:rPr lang="hu-HU" dirty="0"/>
+              <a:t> a </a:t>
+            </a:r>
+            <a:r>
+              <a:rPr lang="hu-HU" dirty="0" err="1"/>
+              <a:t>zhromaždia</a:t>
+            </a:r>
+            <a:r>
+              <a:rPr lang="hu-HU" dirty="0"/>
+              <a:t> </a:t>
+            </a:r>
+            <a:r>
+              <a:rPr lang="hu-HU" dirty="0" err="1"/>
+              <a:t>sa</a:t>
+            </a:r>
+            <a:r>
+              <a:rPr lang="hu-HU" dirty="0"/>
+              <a:t> </a:t>
+            </a:r>
+            <a:r>
+              <a:rPr lang="hu-HU" dirty="0" err="1"/>
+              <a:t>skóre</a:t>
+            </a:r>
+            <a:r>
+              <a:rPr lang="hu-HU" dirty="0"/>
+              <a:t> </a:t>
+            </a:r>
+            <a:r>
+              <a:rPr lang="hu-HU" dirty="0" err="1"/>
+              <a:t>vrátane</a:t>
+            </a:r>
+            <a:r>
+              <a:rPr lang="hu-HU" dirty="0"/>
+              <a:t> </a:t>
+            </a:r>
+            <a:r>
+              <a:rPr lang="hu-HU" dirty="0" err="1"/>
+              <a:t>priemernej</a:t>
+            </a:r>
+            <a:r>
+              <a:rPr lang="hu-HU" dirty="0"/>
+              <a:t> </a:t>
+            </a:r>
+            <a:r>
+              <a:rPr lang="hu-HU" dirty="0" err="1"/>
+              <a:t>straty</a:t>
+            </a:r>
+            <a:r>
+              <a:rPr lang="hu-HU" dirty="0"/>
+              <a:t> a </a:t>
+            </a:r>
+            <a:r>
+              <a:rPr lang="hu-HU" dirty="0" err="1"/>
+              <a:t>všetkých</a:t>
+            </a:r>
+            <a:r>
+              <a:rPr lang="hu-HU" dirty="0"/>
+              <a:t> </a:t>
+            </a:r>
+            <a:r>
+              <a:rPr lang="hu-HU" dirty="0" err="1"/>
+              <a:t>metrík</a:t>
+            </a:r>
+            <a:r>
+              <a:rPr lang="hu-HU" dirty="0"/>
+              <a:t>, </a:t>
+            </a:r>
+            <a:r>
+              <a:rPr lang="hu-HU" dirty="0" err="1"/>
+              <a:t>ktoré</a:t>
+            </a:r>
+            <a:r>
+              <a:rPr lang="hu-HU" dirty="0"/>
+              <a:t> </a:t>
+            </a:r>
+            <a:r>
+              <a:rPr lang="hu-HU" dirty="0" err="1"/>
+              <a:t>ste</a:t>
+            </a:r>
+            <a:r>
+              <a:rPr lang="hu-HU" dirty="0"/>
+              <a:t> </a:t>
+            </a:r>
+            <a:r>
+              <a:rPr lang="hu-HU" dirty="0" err="1"/>
+              <a:t>nakonfigurovali</a:t>
+            </a:r>
+            <a:r>
+              <a:rPr lang="hu-HU" dirty="0"/>
+              <a:t>, </a:t>
+            </a:r>
+            <a:r>
+              <a:rPr lang="hu-HU" dirty="0" err="1"/>
+              <a:t>napríklad</a:t>
+            </a:r>
+            <a:r>
+              <a:rPr lang="hu-HU" dirty="0"/>
+              <a:t> </a:t>
+            </a:r>
+            <a:r>
+              <a:rPr lang="hu-HU" dirty="0" err="1"/>
+              <a:t>presnosti</a:t>
+            </a:r>
+            <a:r>
+              <a:rPr lang="hu-HU" dirty="0" smtClean="0"/>
+              <a:t>.</a:t>
+            </a:r>
+            <a:endParaRPr lang="hu-HU" dirty="0"/>
+          </a:p>
+          <a:p>
+            <a:pPr algn="just"/>
+            <a:r>
+              <a:rPr lang="hu-HU" dirty="0" err="1"/>
+              <a:t>Funkcia</a:t>
+            </a:r>
+            <a:r>
+              <a:rPr lang="hu-HU" dirty="0"/>
+              <a:t> </a:t>
+            </a:r>
+            <a:r>
+              <a:rPr lang="hu-HU" dirty="0" err="1"/>
+              <a:t>Evaluation</a:t>
+            </a:r>
+            <a:r>
+              <a:rPr lang="hu-HU" dirty="0"/>
+              <a:t> () </a:t>
+            </a:r>
+            <a:r>
+              <a:rPr lang="hu-HU" dirty="0" err="1"/>
+              <a:t>vráti</a:t>
+            </a:r>
+            <a:r>
+              <a:rPr lang="hu-HU" dirty="0"/>
+              <a:t> </a:t>
+            </a:r>
+            <a:r>
+              <a:rPr lang="hu-HU" dirty="0" err="1"/>
+              <a:t>zoznam</a:t>
+            </a:r>
+            <a:r>
+              <a:rPr lang="hu-HU" dirty="0"/>
+              <a:t> s </a:t>
+            </a:r>
+            <a:r>
+              <a:rPr lang="hu-HU" dirty="0" err="1"/>
+              <a:t>dvoma</a:t>
+            </a:r>
+            <a:r>
+              <a:rPr lang="hu-HU" dirty="0"/>
+              <a:t> </a:t>
+            </a:r>
+            <a:r>
+              <a:rPr lang="hu-HU" dirty="0" err="1"/>
+              <a:t>hodnotami</a:t>
+            </a:r>
+            <a:r>
+              <a:rPr lang="hu-HU" dirty="0"/>
+              <a:t>. </a:t>
+            </a:r>
+            <a:r>
+              <a:rPr lang="hu-HU" dirty="0" err="1"/>
+              <a:t>Prvou</a:t>
+            </a:r>
+            <a:r>
+              <a:rPr lang="hu-HU" dirty="0"/>
+              <a:t> </a:t>
+            </a:r>
+            <a:r>
+              <a:rPr lang="hu-HU" dirty="0" err="1"/>
+              <a:t>bude</a:t>
+            </a:r>
+            <a:r>
+              <a:rPr lang="hu-HU" dirty="0"/>
+              <a:t> </a:t>
+            </a:r>
+            <a:r>
+              <a:rPr lang="hu-HU" dirty="0" err="1"/>
+              <a:t>strata</a:t>
+            </a:r>
+            <a:r>
+              <a:rPr lang="hu-HU" dirty="0"/>
+              <a:t> </a:t>
+            </a:r>
+            <a:r>
+              <a:rPr lang="hu-HU" dirty="0" err="1"/>
+              <a:t>modelu</a:t>
+            </a:r>
+            <a:r>
+              <a:rPr lang="hu-HU" dirty="0"/>
+              <a:t> v </a:t>
+            </a:r>
+            <a:r>
+              <a:rPr lang="hu-HU" dirty="0" err="1"/>
+              <a:t>množine</a:t>
+            </a:r>
+            <a:r>
+              <a:rPr lang="hu-HU" dirty="0"/>
+              <a:t> </a:t>
+            </a:r>
+            <a:r>
+              <a:rPr lang="hu-HU" dirty="0" err="1"/>
+              <a:t>údajov</a:t>
+            </a:r>
+            <a:r>
+              <a:rPr lang="hu-HU" dirty="0"/>
+              <a:t> a </a:t>
+            </a:r>
+            <a:r>
+              <a:rPr lang="hu-HU" dirty="0" err="1"/>
+              <a:t>druhou</a:t>
+            </a:r>
+            <a:r>
+              <a:rPr lang="hu-HU" dirty="0"/>
+              <a:t> </a:t>
+            </a:r>
+            <a:r>
+              <a:rPr lang="hu-HU" dirty="0" err="1"/>
+              <a:t>bude</a:t>
+            </a:r>
+            <a:r>
+              <a:rPr lang="hu-HU" dirty="0"/>
+              <a:t> </a:t>
+            </a:r>
+            <a:r>
+              <a:rPr lang="hu-HU" dirty="0" err="1"/>
+              <a:t>presnosť</a:t>
+            </a:r>
+            <a:r>
+              <a:rPr lang="hu-HU" dirty="0"/>
+              <a:t> </a:t>
+            </a:r>
+            <a:r>
+              <a:rPr lang="hu-HU" dirty="0" err="1"/>
+              <a:t>modelu</a:t>
+            </a:r>
+            <a:r>
+              <a:rPr lang="hu-HU" dirty="0"/>
+              <a:t> v </a:t>
+            </a:r>
+            <a:r>
+              <a:rPr lang="hu-HU" dirty="0" err="1"/>
+              <a:t>množine</a:t>
+            </a:r>
+            <a:r>
+              <a:rPr lang="hu-HU" dirty="0"/>
+              <a:t> </a:t>
+            </a:r>
+            <a:r>
+              <a:rPr lang="hu-HU" dirty="0" err="1"/>
+              <a:t>údajov</a:t>
+            </a:r>
+            <a:r>
+              <a:rPr lang="hu-HU" dirty="0"/>
+              <a:t>. </a:t>
+            </a:r>
+            <a:r>
+              <a:rPr lang="hu-HU" dirty="0" err="1"/>
+              <a:t>Máme</a:t>
+            </a:r>
+            <a:r>
+              <a:rPr lang="hu-HU" dirty="0"/>
+              <a:t> </a:t>
+            </a:r>
+            <a:r>
+              <a:rPr lang="hu-HU" dirty="0" err="1"/>
+              <a:t>záujem</a:t>
+            </a:r>
+            <a:r>
+              <a:rPr lang="hu-HU" dirty="0"/>
+              <a:t> </a:t>
+            </a:r>
+            <a:r>
+              <a:rPr lang="hu-HU" dirty="0" err="1"/>
+              <a:t>iba</a:t>
+            </a:r>
+            <a:r>
+              <a:rPr lang="hu-HU" dirty="0"/>
+              <a:t> o </a:t>
+            </a:r>
+            <a:r>
+              <a:rPr lang="hu-HU" dirty="0" err="1"/>
+              <a:t>nahlásenie</a:t>
+            </a:r>
+            <a:r>
+              <a:rPr lang="hu-HU" dirty="0"/>
+              <a:t> </a:t>
+            </a:r>
+            <a:r>
+              <a:rPr lang="hu-HU" dirty="0" err="1"/>
+              <a:t>presnosti</a:t>
+            </a:r>
+            <a:r>
+              <a:rPr lang="hu-HU" dirty="0"/>
+              <a:t>, </a:t>
+            </a:r>
+            <a:r>
+              <a:rPr lang="hu-HU" dirty="0" err="1"/>
+              <a:t>takže</a:t>
+            </a:r>
+            <a:r>
+              <a:rPr lang="hu-HU" dirty="0"/>
+              <a:t> </a:t>
+            </a:r>
+            <a:r>
+              <a:rPr lang="hu-HU" dirty="0" err="1"/>
+              <a:t>hodnotu</a:t>
+            </a:r>
+            <a:r>
+              <a:rPr lang="hu-HU" dirty="0"/>
+              <a:t> </a:t>
+            </a:r>
+            <a:r>
+              <a:rPr lang="hu-HU" dirty="0" err="1"/>
+              <a:t>straty</a:t>
+            </a:r>
+            <a:r>
+              <a:rPr lang="hu-HU" dirty="0"/>
+              <a:t> </a:t>
+            </a:r>
+            <a:r>
+              <a:rPr lang="hu-HU" dirty="0" err="1"/>
+              <a:t>ignorujeme</a:t>
+            </a:r>
+            <a:r>
+              <a:rPr lang="hu-HU" dirty="0"/>
+              <a:t>.</a:t>
+            </a:r>
+          </a:p>
+        </p:txBody>
+      </p:sp>
+    </p:spTree>
+    <p:extLst>
+      <p:ext uri="{BB962C8B-B14F-4D97-AF65-F5344CB8AC3E}">
+        <p14:creationId xmlns:p14="http://schemas.microsoft.com/office/powerpoint/2010/main" val="1174926954"/>
+      </p:ext>
+    </p:extLst>
+  </p:cSld>
+  <p:clrMapOvr>
+    <a:masterClrMapping/>
+  </p:clrMapOvr>
+</p:sld>
+</file>
+
+<file path=ppt/slides/slide11.xml><?xml version="1.0" encoding="utf-8"?>
+<p:sld xmlns:a="http://schemas.openxmlformats.org/drawingml/2006/main" xmlns:r="http://schemas.openxmlformats.org/officeDocument/2006/relationships" xmlns:p="http://schemas.openxmlformats.org/presentationml/2006/main">
+  <p:cSld>
+    <p:spTree>
+      <p:nvGrpSpPr>
+        <p:cNvPr id="1" name=""/>
+        <p:cNvGrpSpPr/>
+        <p:nvPr/>
+      </p:nvGrpSpPr>
+      <p:grpSpPr>
+        <a:xfrm>
+          <a:off x="0" y="0"/>
+          <a:ext cx="0" cy="0"/>
+          <a:chOff x="0" y="0"/>
+          <a:chExt cx="0" cy="0"/>
+        </a:xfrm>
+      </p:grpSpPr>
+      <p:sp>
+        <p:nvSpPr>
+          <p:cNvPr id="2" name="Cím 1"/>
+          <p:cNvSpPr>
+            <a:spLocks noGrp="1"/>
+          </p:cNvSpPr>
+          <p:nvPr>
+            <p:ph type="title"/>
+          </p:nvPr>
+        </p:nvSpPr>
+        <p:spPr/>
+        <p:txBody>
+          <a:bodyPr/>
+          <a:lstStyle/>
+          <a:p>
+            <a:endParaRPr lang="hu-HU"/>
+          </a:p>
+        </p:txBody>
+      </p:sp>
+      <p:pic>
+        <p:nvPicPr>
+          <p:cNvPr id="4" name="Tartalom helye 3"/>
+          <p:cNvPicPr>
+            <a:picLocks noGrp="1" noChangeAspect="1"/>
+          </p:cNvPicPr>
+          <p:nvPr>
+            <p:ph idx="1"/>
+          </p:nvPr>
+        </p:nvPicPr>
+        <p:blipFill>
+          <a:blip r:embed="rId2">
+            <a:extLst>
+              <a:ext uri="{28A0092B-C50C-407E-A947-70E740481C1C}">
+                <a14:useLocalDpi xmlns:a14="http://schemas.microsoft.com/office/drawing/2010/main" val="0"/>
+              </a:ext>
+            </a:extLst>
+          </a:blip>
+          <a:stretch>
+            <a:fillRect/>
+          </a:stretch>
+        </p:blipFill>
+        <p:spPr>
+          <a:xfrm>
+            <a:off x="1141413" y="618518"/>
+            <a:ext cx="10649993" cy="5686488"/>
+          </a:xfrm>
+        </p:spPr>
+      </p:pic>
+    </p:spTree>
+    <p:extLst>
+      <p:ext uri="{BB962C8B-B14F-4D97-AF65-F5344CB8AC3E}">
+        <p14:creationId xmlns:p14="http://schemas.microsoft.com/office/powerpoint/2010/main" val="1503126361"/>
+      </p:ext>
+    </p:extLst>
+  </p:cSld>
+  <p:clrMapOvr>
+    <a:masterClrMapping/>
+  </p:clrMapOvr>
+</p:sld>
+</file>
+
+<file path=ppt/slides/slide12.xml><?xml version="1.0" encoding="utf-8"?>
+<p:sld xmlns:a="http://schemas.openxmlformats.org/drawingml/2006/main" xmlns:r="http://schemas.openxmlformats.org/officeDocument/2006/relationships" xmlns:p="http://schemas.openxmlformats.org/presentationml/2006/main">
+  <p:cSld>
+    <p:spTree>
+      <p:nvGrpSpPr>
+        <p:cNvPr id="1" name=""/>
+        <p:cNvGrpSpPr/>
+        <p:nvPr/>
+      </p:nvGrpSpPr>
+      <p:grpSpPr>
+        <a:xfrm>
+          <a:off x="0" y="0"/>
+          <a:ext cx="0" cy="0"/>
+          <a:chOff x="0" y="0"/>
+          <a:chExt cx="0" cy="0"/>
+        </a:xfrm>
+      </p:grpSpPr>
+      <p:sp>
+        <p:nvSpPr>
+          <p:cNvPr id="3" name="Tartalom helye 2"/>
+          <p:cNvSpPr>
+            <a:spLocks noGrp="1"/>
+          </p:cNvSpPr>
+          <p:nvPr>
+            <p:ph idx="1"/>
+          </p:nvPr>
+        </p:nvSpPr>
+        <p:spPr>
+          <a:xfrm>
+            <a:off x="1141412" y="487680"/>
+            <a:ext cx="9905999" cy="5303521"/>
+          </a:xfrm>
+        </p:spPr>
+        <p:txBody>
+          <a:bodyPr/>
+          <a:lstStyle/>
+          <a:p>
+            <a:r>
+              <a:rPr lang="sk-SK" dirty="0" smtClean="0"/>
+              <a:t>Nakoniec som vykreslil presnoť </a:t>
+            </a:r>
+            <a:endParaRPr lang="hu-HU" dirty="0"/>
+          </a:p>
+        </p:txBody>
+      </p:sp>
+      <p:pic>
+        <p:nvPicPr>
+          <p:cNvPr id="5" name="Kép 4"/>
+          <p:cNvPicPr>
+            <a:picLocks noChangeAspect="1"/>
+          </p:cNvPicPr>
+          <p:nvPr/>
+        </p:nvPicPr>
+        <p:blipFill>
+          <a:blip r:embed="rId2">
+            <a:extLst>
+              <a:ext uri="{28A0092B-C50C-407E-A947-70E740481C1C}">
+                <a14:useLocalDpi xmlns:a14="http://schemas.microsoft.com/office/drawing/2010/main" val="0"/>
+              </a:ext>
+            </a:extLst>
+          </a:blip>
+          <a:stretch>
+            <a:fillRect/>
+          </a:stretch>
+        </p:blipFill>
+        <p:spPr>
+          <a:xfrm>
+            <a:off x="1245915" y="1158240"/>
+            <a:ext cx="10345194" cy="4702629"/>
+          </a:xfrm>
+          <a:prstGeom prst="rect">
+            <a:avLst/>
+          </a:prstGeom>
+        </p:spPr>
+      </p:pic>
+    </p:spTree>
+    <p:extLst>
+      <p:ext uri="{BB962C8B-B14F-4D97-AF65-F5344CB8AC3E}">
+        <p14:creationId xmlns:p14="http://schemas.microsoft.com/office/powerpoint/2010/main" val="2184099277"/>
+      </p:ext>
+    </p:extLst>
+  </p:cSld>
+  <p:clrMapOvr>
+    <a:masterClrMapping/>
+  </p:clrMapOvr>
+</p:sld>
+</file>
+
+<file path=ppt/slides/slide13.xml><?xml version="1.0" encoding="utf-8"?>
+<p:sld xmlns:a="http://schemas.openxmlformats.org/drawingml/2006/main" xmlns:r="http://schemas.openxmlformats.org/officeDocument/2006/relationships" xmlns:p="http://schemas.openxmlformats.org/presentationml/2006/main">
+  <p:cSld>
+    <p:spTree>
+      <p:nvGrpSpPr>
+        <p:cNvPr id="1" name=""/>
+        <p:cNvGrpSpPr/>
+        <p:nvPr/>
+      </p:nvGrpSpPr>
+      <p:grpSpPr>
+        <a:xfrm>
+          <a:off x="0" y="0"/>
+          <a:ext cx="0" cy="0"/>
+          <a:chOff x="0" y="0"/>
+          <a:chExt cx="0" cy="0"/>
+        </a:xfrm>
+      </p:grpSpPr>
+      <p:sp>
+        <p:nvSpPr>
+          <p:cNvPr id="2" name="Cím 1"/>
+          <p:cNvSpPr>
+            <a:spLocks noGrp="1"/>
+          </p:cNvSpPr>
+          <p:nvPr>
+            <p:ph type="title"/>
+          </p:nvPr>
+        </p:nvSpPr>
+        <p:spPr/>
+        <p:txBody>
+          <a:bodyPr/>
+          <a:lstStyle/>
+          <a:p>
+            <a:endParaRPr lang="hu-HU"/>
+          </a:p>
+        </p:txBody>
+      </p:sp>
+      <p:pic>
+        <p:nvPicPr>
+          <p:cNvPr id="4" name="Tartalom helye 3"/>
+          <p:cNvPicPr>
+            <a:picLocks noGrp="1" noChangeAspect="1"/>
+          </p:cNvPicPr>
+          <p:nvPr>
+            <p:ph idx="1"/>
+          </p:nvPr>
+        </p:nvPicPr>
+        <p:blipFill>
+          <a:blip r:embed="rId2">
+            <a:extLst>
+              <a:ext uri="{28A0092B-C50C-407E-A947-70E740481C1C}">
+                <a14:useLocalDpi xmlns:a14="http://schemas.microsoft.com/office/drawing/2010/main" val="0"/>
+              </a:ext>
+            </a:extLst>
+          </a:blip>
+          <a:stretch>
+            <a:fillRect/>
+          </a:stretch>
+        </p:blipFill>
+        <p:spPr>
+          <a:xfrm>
+            <a:off x="1141413" y="2249488"/>
+            <a:ext cx="9905997" cy="3541712"/>
+          </a:xfrm>
+        </p:spPr>
+      </p:pic>
+    </p:spTree>
+    <p:extLst>
+      <p:ext uri="{BB962C8B-B14F-4D97-AF65-F5344CB8AC3E}">
+        <p14:creationId xmlns:p14="http://schemas.microsoft.com/office/powerpoint/2010/main" val="58555901"/>
+      </p:ext>
+    </p:extLst>
+  </p:cSld>
+  <p:clrMapOvr>
+    <a:masterClrMapping/>
+  </p:clrMapOvr>
+</p:sld>
+</file>
+
+<file path=ppt/slides/slide14.xml><?xml version="1.0" encoding="utf-8"?>
+<p:sld xmlns:a="http://schemas.openxmlformats.org/drawingml/2006/main" xmlns:r="http://schemas.openxmlformats.org/officeDocument/2006/relationships" xmlns:p="http://schemas.openxmlformats.org/presentationml/2006/main">
+  <p:cSld>
+    <p:spTree>
+      <p:nvGrpSpPr>
+        <p:cNvPr id="1" name=""/>
+        <p:cNvGrpSpPr/>
+        <p:nvPr/>
+      </p:nvGrpSpPr>
+      <p:grpSpPr>
+        <a:xfrm>
+          <a:off x="0" y="0"/>
+          <a:ext cx="0" cy="0"/>
+          <a:chOff x="0" y="0"/>
+          <a:chExt cx="0" cy="0"/>
+        </a:xfrm>
+      </p:grpSpPr>
+      <p:sp>
+        <p:nvSpPr>
+          <p:cNvPr id="2" name="Cím 1"/>
+          <p:cNvSpPr>
+            <a:spLocks noGrp="1"/>
+          </p:cNvSpPr>
+          <p:nvPr>
+            <p:ph type="title"/>
+          </p:nvPr>
+        </p:nvSpPr>
+        <p:spPr/>
+        <p:txBody>
+          <a:bodyPr/>
+          <a:lstStyle/>
+          <a:p>
+            <a:r>
+              <a:rPr lang="sk-SK" dirty="0" smtClean="0"/>
+              <a:t>Zdroje</a:t>
+            </a:r>
+            <a:endParaRPr lang="hu-HU" dirty="0"/>
+          </a:p>
+        </p:txBody>
+      </p:sp>
+      <p:sp>
+        <p:nvSpPr>
+          <p:cNvPr id="3" name="Tartalom helye 2"/>
+          <p:cNvSpPr>
+            <a:spLocks noGrp="1"/>
+          </p:cNvSpPr>
+          <p:nvPr>
+            <p:ph idx="1"/>
+          </p:nvPr>
+        </p:nvSpPr>
+        <p:spPr/>
+        <p:txBody>
+          <a:bodyPr>
+            <a:normAutofit fontScale="92500"/>
+          </a:bodyPr>
+          <a:lstStyle/>
+          <a:p>
+            <a:r>
+              <a:rPr lang="hu-HU" dirty="0">
+                <a:hlinkClick r:id="rId2"/>
+              </a:rPr>
+              <a:t>https://</a:t>
+            </a:r>
+            <a:r>
+              <a:rPr lang="hu-HU" dirty="0" smtClean="0">
+                <a:hlinkClick r:id="rId2"/>
+              </a:rPr>
+              <a:t>www.kdnuggets.com/2020/03/20-machine-learning-datasets-project-ideas.html</a:t>
+            </a:r>
+            <a:endParaRPr lang="hu-HU" dirty="0" smtClean="0"/>
+          </a:p>
+          <a:p>
+            <a:r>
+              <a:rPr lang="hu-HU" dirty="0">
+                <a:hlinkClick r:id="rId3"/>
+              </a:rPr>
+              <a:t>https://data-flair.training/blogs/python-machine-learning-project-detecting-parkinson-disease</a:t>
+            </a:r>
+            <a:r>
+              <a:rPr lang="hu-HU" dirty="0" smtClean="0">
+                <a:hlinkClick r:id="rId3"/>
+              </a:rPr>
+              <a:t>/</a:t>
+            </a:r>
+            <a:endParaRPr lang="hu-HU" dirty="0" smtClean="0"/>
+          </a:p>
+          <a:p>
+            <a:r>
+              <a:rPr lang="hu-HU" dirty="0">
+                <a:hlinkClick r:id="rId4"/>
+              </a:rPr>
+              <a:t>https://data-flair.training/blogs/machine-learning-datasets</a:t>
+            </a:r>
+            <a:r>
+              <a:rPr lang="hu-HU" dirty="0" smtClean="0">
+                <a:hlinkClick r:id="rId4"/>
+              </a:rPr>
+              <a:t>/</a:t>
+            </a:r>
+            <a:endParaRPr lang="hu-HU" dirty="0" smtClean="0"/>
+          </a:p>
+          <a:p>
+            <a:r>
+              <a:rPr lang="hu-HU" dirty="0">
+                <a:hlinkClick r:id="rId5"/>
+              </a:rPr>
+              <a:t>https://machinelearningmastery.com/tutorial-first-neural-network-python-keras</a:t>
+            </a:r>
+            <a:r>
+              <a:rPr lang="hu-HU" dirty="0" smtClean="0">
+                <a:hlinkClick r:id="rId5"/>
+              </a:rPr>
+              <a:t>/</a:t>
+            </a:r>
+            <a:endParaRPr lang="hu-HU" dirty="0" smtClean="0"/>
+          </a:p>
+          <a:p>
+            <a:r>
+              <a:rPr lang="hu-HU" dirty="0">
+                <a:hlinkClick r:id="rId6"/>
+              </a:rPr>
+              <a:t>https://machinelearningmastery.com/randomness-in-machine-learning/</a:t>
+            </a:r>
+            <a:endParaRPr lang="hu-HU" dirty="0"/>
+          </a:p>
+        </p:txBody>
+      </p:sp>
+    </p:spTree>
+    <p:extLst>
+      <p:ext uri="{BB962C8B-B14F-4D97-AF65-F5344CB8AC3E}">
+        <p14:creationId xmlns:p14="http://schemas.microsoft.com/office/powerpoint/2010/main" val="2209489896"/>
+      </p:ext>
+    </p:extLst>
+  </p:cSld>
+  <p:clrMapOvr>
+    <a:masterClrMapping/>
+  </p:clrMapOvr>
+</p:sld>
+</file>
+
+<file path=ppt/slides/slide15.xml><?xml version="1.0" encoding="utf-8"?>
+<p:sld xmlns:a="http://schemas.openxmlformats.org/drawingml/2006/main" xmlns:r="http://schemas.openxmlformats.org/officeDocument/2006/relationships" xmlns:p="http://schemas.openxmlformats.org/presentationml/2006/main">
+  <p:cSld>
+    <p:spTree>
+      <p:nvGrpSpPr>
+        <p:cNvPr id="1" name=""/>
+        <p:cNvGrpSpPr/>
+        <p:nvPr/>
+      </p:nvGrpSpPr>
+      <p:grpSpPr>
+        <a:xfrm>
+          <a:off x="0" y="0"/>
+          <a:ext cx="0" cy="0"/>
+          <a:chOff x="0" y="0"/>
+          <a:chExt cx="0" cy="0"/>
+        </a:xfrm>
+      </p:grpSpPr>
+      <p:sp>
+        <p:nvSpPr>
+          <p:cNvPr id="2" name="Cím 1"/>
+          <p:cNvSpPr>
+            <a:spLocks noGrp="1"/>
+          </p:cNvSpPr>
+          <p:nvPr>
+            <p:ph type="title"/>
+          </p:nvPr>
+        </p:nvSpPr>
+        <p:spPr>
+          <a:xfrm>
+            <a:off x="1158830" y="2804369"/>
+            <a:ext cx="9905998" cy="1478570"/>
+          </a:xfrm>
+        </p:spPr>
+        <p:txBody>
+          <a:bodyPr/>
+          <a:lstStyle/>
+          <a:p>
+            <a:pPr algn="ctr"/>
+            <a:r>
+              <a:rPr lang="sk-SK" dirty="0" smtClean="0"/>
+              <a:t>Dakujem Za Pozornosť</a:t>
+            </a:r>
+            <a:endParaRPr lang="hu-HU" dirty="0"/>
+          </a:p>
+        </p:txBody>
+      </p:sp>
+    </p:spTree>
+    <p:extLst>
+      <p:ext uri="{BB962C8B-B14F-4D97-AF65-F5344CB8AC3E}">
+        <p14:creationId xmlns:p14="http://schemas.microsoft.com/office/powerpoint/2010/main" val="3032810139"/>
+      </p:ext>
+    </p:extLst>
+  </p:cSld>
+  <p:clrMapOvr>
+    <a:masterClrMapping/>
+  </p:clrMapOvr>
+</p:sld>
+</file>
+
 <file path=ppt/slides/slide2.xml><?xml version="1.0" encoding="utf-8"?>
 <p:sld xmlns:a="http://schemas.openxmlformats.org/drawingml/2006/main" xmlns:r="http://schemas.openxmlformats.org/officeDocument/2006/relationships" xmlns:p="http://schemas.openxmlformats.org/presentationml/2006/main">
   <p:cSld>
@@ -12435,6 +14043,577 @@
           <a:bodyPr/>
           <a:lstStyle/>
           <a:p>
+            <a:r>
+              <a:rPr lang="hu-HU" dirty="0"/>
+              <a:t>Parkinson </a:t>
+            </a:r>
+            <a:r>
+              <a:rPr lang="hu-HU" dirty="0" err="1" smtClean="0"/>
+              <a:t>Dataset</a:t>
+            </a:r>
+            <a:endParaRPr lang="hu-HU" dirty="0"/>
+          </a:p>
+        </p:txBody>
+      </p:sp>
+      <p:sp>
+        <p:nvSpPr>
+          <p:cNvPr id="3" name="Tartalom helye 2"/>
+          <p:cNvSpPr>
+            <a:spLocks noGrp="1"/>
+          </p:cNvSpPr>
+          <p:nvPr>
+            <p:ph idx="1"/>
+          </p:nvPr>
+        </p:nvSpPr>
+        <p:spPr/>
+        <p:txBody>
+          <a:bodyPr>
+            <a:normAutofit fontScale="92500"/>
+          </a:bodyPr>
+          <a:lstStyle/>
+          <a:p>
+            <a:pPr algn="just"/>
+            <a:r>
+              <a:rPr lang="hu-HU" dirty="0" err="1"/>
+              <a:t>Parkinsonova</a:t>
+            </a:r>
+            <a:r>
+              <a:rPr lang="hu-HU" dirty="0"/>
+              <a:t> </a:t>
+            </a:r>
+            <a:r>
+              <a:rPr lang="hu-HU" dirty="0" err="1"/>
+              <a:t>choroba</a:t>
+            </a:r>
+            <a:r>
+              <a:rPr lang="hu-HU" dirty="0"/>
+              <a:t> je </a:t>
+            </a:r>
+            <a:r>
+              <a:rPr lang="hu-HU" dirty="0" err="1"/>
+              <a:t>progresívna</a:t>
+            </a:r>
+            <a:r>
+              <a:rPr lang="hu-HU" dirty="0"/>
+              <a:t> </a:t>
+            </a:r>
+            <a:r>
+              <a:rPr lang="hu-HU" dirty="0" err="1"/>
+              <a:t>porucha</a:t>
+            </a:r>
+            <a:r>
+              <a:rPr lang="hu-HU" dirty="0"/>
+              <a:t> </a:t>
+            </a:r>
+            <a:r>
+              <a:rPr lang="hu-HU" dirty="0" err="1"/>
+              <a:t>centrálneho</a:t>
+            </a:r>
+            <a:r>
+              <a:rPr lang="hu-HU" dirty="0"/>
+              <a:t> </a:t>
+            </a:r>
+            <a:r>
+              <a:rPr lang="hu-HU" dirty="0" err="1"/>
+              <a:t>nervového</a:t>
+            </a:r>
+            <a:r>
+              <a:rPr lang="hu-HU" dirty="0"/>
+              <a:t> </a:t>
+            </a:r>
+            <a:r>
+              <a:rPr lang="hu-HU" dirty="0" err="1"/>
+              <a:t>systému</a:t>
+            </a:r>
+            <a:r>
+              <a:rPr lang="hu-HU" dirty="0"/>
+              <a:t>, </a:t>
+            </a:r>
+            <a:r>
+              <a:rPr lang="hu-HU" dirty="0" err="1"/>
+              <a:t>ktorá</a:t>
+            </a:r>
+            <a:r>
+              <a:rPr lang="hu-HU" dirty="0"/>
+              <a:t> </a:t>
+            </a:r>
+            <a:r>
+              <a:rPr lang="hu-HU" dirty="0" err="1"/>
+              <a:t>ovplyvňuje</a:t>
+            </a:r>
+            <a:r>
+              <a:rPr lang="hu-HU" dirty="0"/>
+              <a:t> </a:t>
+            </a:r>
+            <a:r>
+              <a:rPr lang="hu-HU" dirty="0" err="1"/>
+              <a:t>pohyb</a:t>
+            </a:r>
+            <a:r>
+              <a:rPr lang="hu-HU" dirty="0"/>
+              <a:t> a </a:t>
+            </a:r>
+            <a:r>
+              <a:rPr lang="hu-HU" dirty="0" err="1"/>
+              <a:t>vyvoláva</a:t>
+            </a:r>
+            <a:r>
+              <a:rPr lang="hu-HU" dirty="0"/>
+              <a:t> </a:t>
+            </a:r>
+            <a:r>
+              <a:rPr lang="hu-HU" dirty="0" err="1"/>
+              <a:t>tras</a:t>
+            </a:r>
+            <a:r>
+              <a:rPr lang="hu-HU" dirty="0"/>
+              <a:t> a </a:t>
+            </a:r>
+            <a:r>
+              <a:rPr lang="hu-HU" dirty="0" err="1"/>
+              <a:t>stuhnutosť</a:t>
+            </a:r>
+            <a:r>
+              <a:rPr lang="hu-HU" dirty="0"/>
+              <a:t>. </a:t>
+            </a:r>
+            <a:r>
+              <a:rPr lang="hu-HU" dirty="0" err="1"/>
+              <a:t>Má</a:t>
+            </a:r>
+            <a:r>
+              <a:rPr lang="hu-HU" dirty="0"/>
+              <a:t> 5 </a:t>
+            </a:r>
+            <a:r>
+              <a:rPr lang="hu-HU" dirty="0" err="1"/>
+              <a:t>štádií</a:t>
+            </a:r>
+            <a:r>
+              <a:rPr lang="hu-HU" dirty="0"/>
+              <a:t> a </a:t>
+            </a:r>
+            <a:r>
+              <a:rPr lang="hu-HU" dirty="0" err="1"/>
+              <a:t>každý</a:t>
+            </a:r>
+            <a:r>
+              <a:rPr lang="hu-HU" dirty="0"/>
+              <a:t> </a:t>
+            </a:r>
+            <a:r>
+              <a:rPr lang="hu-HU" dirty="0" err="1"/>
+              <a:t>rok</a:t>
+            </a:r>
+            <a:r>
+              <a:rPr lang="hu-HU" dirty="0"/>
+              <a:t> v </a:t>
+            </a:r>
+            <a:r>
+              <a:rPr lang="hu-HU" dirty="0" err="1"/>
+              <a:t>Indii</a:t>
+            </a:r>
+            <a:r>
+              <a:rPr lang="hu-HU" dirty="0"/>
+              <a:t> </a:t>
+            </a:r>
+            <a:r>
+              <a:rPr lang="hu-HU" dirty="0" err="1"/>
+              <a:t>postihuje</a:t>
+            </a:r>
+            <a:r>
+              <a:rPr lang="hu-HU" dirty="0"/>
+              <a:t> </a:t>
+            </a:r>
+            <a:r>
+              <a:rPr lang="hu-HU" dirty="0" err="1"/>
+              <a:t>viac</a:t>
+            </a:r>
+            <a:r>
+              <a:rPr lang="hu-HU" dirty="0"/>
+              <a:t> </a:t>
+            </a:r>
+            <a:r>
+              <a:rPr lang="hu-HU" dirty="0" err="1"/>
+              <a:t>ako</a:t>
+            </a:r>
+            <a:r>
+              <a:rPr lang="hu-HU" dirty="0"/>
+              <a:t> 1 </a:t>
+            </a:r>
+            <a:r>
+              <a:rPr lang="hu-HU" dirty="0" err="1"/>
+              <a:t>milión</a:t>
+            </a:r>
+            <a:r>
+              <a:rPr lang="hu-HU" dirty="0"/>
+              <a:t> </a:t>
+            </a:r>
+            <a:r>
+              <a:rPr lang="hu-HU" dirty="0" err="1"/>
+              <a:t>jednotlivcov</a:t>
+            </a:r>
+            <a:r>
+              <a:rPr lang="hu-HU" dirty="0"/>
+              <a:t>. Je </a:t>
+            </a:r>
+            <a:r>
+              <a:rPr lang="hu-HU" dirty="0" err="1"/>
+              <a:t>to</a:t>
+            </a:r>
+            <a:r>
+              <a:rPr lang="hu-HU" dirty="0"/>
+              <a:t> </a:t>
+            </a:r>
+            <a:r>
+              <a:rPr lang="hu-HU" dirty="0" err="1"/>
+              <a:t>chronické</a:t>
+            </a:r>
+            <a:r>
+              <a:rPr lang="hu-HU" dirty="0"/>
+              <a:t> a </a:t>
+            </a:r>
+            <a:r>
+              <a:rPr lang="hu-HU" dirty="0" err="1"/>
+              <a:t>ešte</a:t>
+            </a:r>
+            <a:r>
+              <a:rPr lang="hu-HU" dirty="0"/>
+              <a:t> </a:t>
+            </a:r>
+            <a:r>
+              <a:rPr lang="hu-HU" dirty="0" err="1"/>
+              <a:t>sa</a:t>
+            </a:r>
+            <a:r>
+              <a:rPr lang="hu-HU" dirty="0"/>
+              <a:t> </a:t>
+            </a:r>
+            <a:r>
+              <a:rPr lang="hu-HU" dirty="0" err="1" smtClean="0"/>
+              <a:t>nedá</a:t>
+            </a:r>
+            <a:r>
+              <a:rPr lang="hu-HU" dirty="0" smtClean="0"/>
+              <a:t> </a:t>
+            </a:r>
+            <a:r>
+              <a:rPr lang="hu-HU" dirty="0" err="1" smtClean="0"/>
+              <a:t>vyliečiť</a:t>
+            </a:r>
+            <a:r>
+              <a:rPr lang="hu-HU" dirty="0" smtClean="0"/>
+              <a:t>. Je </a:t>
+            </a:r>
+            <a:r>
+              <a:rPr lang="hu-HU" dirty="0" err="1"/>
+              <a:t>to</a:t>
+            </a:r>
+            <a:r>
+              <a:rPr lang="hu-HU" dirty="0"/>
+              <a:t> </a:t>
+            </a:r>
+            <a:r>
+              <a:rPr lang="hu-HU" dirty="0" err="1"/>
+              <a:t>neurodegeneratívna</a:t>
+            </a:r>
+            <a:r>
+              <a:rPr lang="hu-HU" dirty="0"/>
+              <a:t> </a:t>
+            </a:r>
+            <a:r>
+              <a:rPr lang="hu-HU" dirty="0" err="1"/>
+              <a:t>porucha</a:t>
+            </a:r>
+            <a:r>
+              <a:rPr lang="hu-HU" dirty="0"/>
+              <a:t> </a:t>
+            </a:r>
+            <a:r>
+              <a:rPr lang="hu-HU" dirty="0" err="1"/>
+              <a:t>ovplyvňujúca</a:t>
+            </a:r>
+            <a:r>
+              <a:rPr lang="hu-HU" dirty="0"/>
+              <a:t> </a:t>
+            </a:r>
+            <a:r>
+              <a:rPr lang="hu-HU" dirty="0" err="1"/>
+              <a:t>neuróny</a:t>
+            </a:r>
+            <a:r>
+              <a:rPr lang="hu-HU" dirty="0"/>
+              <a:t> </a:t>
+            </a:r>
+            <a:r>
+              <a:rPr lang="hu-HU" dirty="0" err="1"/>
+              <a:t>produkujúce</a:t>
+            </a:r>
+            <a:r>
+              <a:rPr lang="hu-HU" dirty="0"/>
+              <a:t> </a:t>
+            </a:r>
+            <a:r>
+              <a:rPr lang="hu-HU" dirty="0" err="1"/>
+              <a:t>dopamín</a:t>
+            </a:r>
+            <a:r>
+              <a:rPr lang="hu-HU" dirty="0"/>
+              <a:t> v </a:t>
+            </a:r>
+            <a:r>
+              <a:rPr lang="hu-HU" dirty="0" err="1"/>
+              <a:t>mozgu</a:t>
+            </a:r>
+            <a:r>
+              <a:rPr lang="hu-HU" dirty="0" smtClean="0"/>
+              <a:t>.</a:t>
+            </a:r>
+          </a:p>
+          <a:p>
+            <a:pPr algn="just"/>
+            <a:r>
+              <a:rPr lang="hu-HU" dirty="0" err="1" smtClean="0"/>
+              <a:t>Súbor</a:t>
+            </a:r>
+            <a:r>
+              <a:rPr lang="hu-HU" dirty="0" smtClean="0"/>
+              <a:t> </a:t>
+            </a:r>
+            <a:r>
+              <a:rPr lang="hu-HU" dirty="0" err="1"/>
+              <a:t>údajov</a:t>
+            </a:r>
+            <a:r>
+              <a:rPr lang="hu-HU" dirty="0"/>
+              <a:t> </a:t>
+            </a:r>
+            <a:r>
+              <a:rPr lang="hu-HU" dirty="0" err="1"/>
+              <a:t>obsahuje</a:t>
+            </a:r>
+            <a:r>
+              <a:rPr lang="hu-HU" dirty="0"/>
+              <a:t> </a:t>
+            </a:r>
+            <a:r>
+              <a:rPr lang="en-US" dirty="0" smtClean="0"/>
+              <a:t>755</a:t>
+            </a:r>
+            <a:r>
+              <a:rPr lang="hu-HU" dirty="0" smtClean="0"/>
+              <a:t> </a:t>
+            </a:r>
+            <a:r>
+              <a:rPr lang="hu-HU" dirty="0" err="1"/>
+              <a:t>záznamov</a:t>
+            </a:r>
+            <a:r>
+              <a:rPr lang="hu-HU" dirty="0"/>
+              <a:t> o </a:t>
+            </a:r>
+            <a:r>
+              <a:rPr lang="hu-HU" dirty="0" err="1"/>
+              <a:t>ľuďoch</a:t>
+            </a:r>
+            <a:r>
+              <a:rPr lang="hu-HU" dirty="0"/>
+              <a:t> s </a:t>
+            </a:r>
+            <a:r>
+              <a:rPr lang="en-US" dirty="0" smtClean="0"/>
+              <a:t>100</a:t>
+            </a:r>
+            <a:r>
+              <a:rPr lang="hu-HU" dirty="0" smtClean="0"/>
+              <a:t> </a:t>
+            </a:r>
+            <a:r>
+              <a:rPr lang="hu-HU" dirty="0" err="1"/>
+              <a:t>rôznymi</a:t>
+            </a:r>
+            <a:r>
+              <a:rPr lang="hu-HU" dirty="0"/>
+              <a:t> </a:t>
+            </a:r>
+            <a:r>
+              <a:rPr lang="hu-HU" dirty="0" err="1"/>
+              <a:t>atribútmi</a:t>
+            </a:r>
+            <a:r>
+              <a:rPr lang="hu-HU" dirty="0"/>
+              <a:t>, </a:t>
+            </a:r>
+            <a:r>
+              <a:rPr lang="hu-HU" dirty="0" err="1"/>
+              <a:t>ktoré</a:t>
+            </a:r>
+            <a:r>
+              <a:rPr lang="hu-HU" dirty="0"/>
+              <a:t> </a:t>
+            </a:r>
+            <a:r>
+              <a:rPr lang="hu-HU" dirty="0" err="1"/>
+              <a:t>obsahujú</a:t>
+            </a:r>
+            <a:r>
+              <a:rPr lang="hu-HU" dirty="0"/>
+              <a:t> </a:t>
+            </a:r>
+            <a:r>
+              <a:rPr lang="hu-HU" dirty="0" err="1"/>
+              <a:t>biomedicínske</a:t>
+            </a:r>
+            <a:r>
+              <a:rPr lang="hu-HU" dirty="0"/>
+              <a:t> </a:t>
+            </a:r>
+            <a:r>
+              <a:rPr lang="hu-HU" dirty="0" err="1"/>
+              <a:t>merania</a:t>
+            </a:r>
+            <a:r>
+              <a:rPr lang="hu-HU" dirty="0" smtClean="0"/>
+              <a:t>.</a:t>
+            </a:r>
+          </a:p>
+          <a:p>
+            <a:pPr algn="just"/>
+            <a:r>
+              <a:rPr lang="en-US" dirty="0" err="1"/>
+              <a:t>Údaje</a:t>
+            </a:r>
+            <a:r>
+              <a:rPr lang="en-US" dirty="0"/>
+              <a:t> </a:t>
+            </a:r>
+            <a:r>
+              <a:rPr lang="en-US" dirty="0" err="1"/>
+              <a:t>sa</a:t>
+            </a:r>
+            <a:r>
+              <a:rPr lang="en-US" dirty="0"/>
+              <a:t> </a:t>
+            </a:r>
+            <a:r>
+              <a:rPr lang="en-US" dirty="0" err="1"/>
+              <a:t>používajú</a:t>
+            </a:r>
+            <a:r>
+              <a:rPr lang="en-US" dirty="0"/>
+              <a:t> </a:t>
+            </a:r>
+            <a:r>
+              <a:rPr lang="en-US" dirty="0" err="1"/>
+              <a:t>na</a:t>
+            </a:r>
+            <a:r>
+              <a:rPr lang="en-US" dirty="0"/>
+              <a:t> </a:t>
+            </a:r>
+            <a:r>
+              <a:rPr lang="en-US" dirty="0" err="1"/>
+              <a:t>oddelenie</a:t>
+            </a:r>
+            <a:r>
+              <a:rPr lang="en-US" dirty="0"/>
+              <a:t> </a:t>
+            </a:r>
+            <a:r>
+              <a:rPr lang="en-US" dirty="0" err="1"/>
+              <a:t>zdravých</a:t>
+            </a:r>
+            <a:r>
+              <a:rPr lang="en-US" dirty="0"/>
+              <a:t> </a:t>
+            </a:r>
+            <a:r>
+              <a:rPr lang="en-US" dirty="0" err="1"/>
+              <a:t>ľudí</a:t>
+            </a:r>
+            <a:r>
+              <a:rPr lang="en-US" dirty="0"/>
+              <a:t> od </a:t>
+            </a:r>
+            <a:r>
+              <a:rPr lang="en-US" dirty="0" err="1"/>
+              <a:t>ľudí</a:t>
+            </a:r>
+            <a:r>
+              <a:rPr lang="en-US" dirty="0"/>
+              <a:t> s </a:t>
+            </a:r>
+            <a:r>
+              <a:rPr lang="en-US" dirty="0" err="1"/>
+              <a:t>Parkinsonovou</a:t>
+            </a:r>
+            <a:r>
+              <a:rPr lang="en-US" dirty="0"/>
+              <a:t> </a:t>
+            </a:r>
+            <a:r>
+              <a:rPr lang="en-US" dirty="0" err="1"/>
+              <a:t>chorobou</a:t>
+            </a:r>
+            <a:r>
+              <a:rPr lang="en-US" dirty="0" smtClean="0"/>
+              <a:t>.</a:t>
+            </a:r>
+            <a:endParaRPr lang="sk-SK" dirty="0" smtClean="0"/>
+          </a:p>
+          <a:p>
+            <a:endParaRPr lang="en-US" dirty="0" smtClean="0"/>
+          </a:p>
+          <a:p>
+            <a:endParaRPr lang="hu-HU" dirty="0"/>
+          </a:p>
+        </p:txBody>
+      </p:sp>
+    </p:spTree>
+    <p:extLst>
+      <p:ext uri="{BB962C8B-B14F-4D97-AF65-F5344CB8AC3E}">
+        <p14:creationId xmlns:p14="http://schemas.microsoft.com/office/powerpoint/2010/main" val="706368146"/>
+      </p:ext>
+    </p:extLst>
+  </p:cSld>
+  <p:clrMapOvr>
+    <a:masterClrMapping/>
+  </p:clrMapOvr>
+</p:sld>
+</file>
+
+<file path=ppt/slides/slide3.xml><?xml version="1.0" encoding="utf-8"?>
+<p:sld xmlns:a="http://schemas.openxmlformats.org/drawingml/2006/main" xmlns:r="http://schemas.openxmlformats.org/officeDocument/2006/relationships" xmlns:p="http://schemas.openxmlformats.org/presentationml/2006/main">
+  <p:cSld>
+    <p:spTree>
+      <p:nvGrpSpPr>
+        <p:cNvPr id="1" name=""/>
+        <p:cNvGrpSpPr/>
+        <p:nvPr/>
+      </p:nvGrpSpPr>
+      <p:grpSpPr>
+        <a:xfrm>
+          <a:off x="0" y="0"/>
+          <a:ext cx="0" cy="0"/>
+          <a:chOff x="0" y="0"/>
+          <a:chExt cx="0" cy="0"/>
+        </a:xfrm>
+      </p:grpSpPr>
+      <p:sp>
+        <p:nvSpPr>
+          <p:cNvPr id="2" name="Cím 1"/>
+          <p:cNvSpPr>
+            <a:spLocks noGrp="1"/>
+          </p:cNvSpPr>
+          <p:nvPr>
+            <p:ph type="title"/>
+          </p:nvPr>
+        </p:nvSpPr>
+        <p:spPr/>
+        <p:txBody>
+          <a:bodyPr/>
+          <a:lstStyle/>
+          <a:p>
             <a:endParaRPr lang="hu-HU" dirty="0"/>
           </a:p>
         </p:txBody>
@@ -12454,6 +14633,98 @@
           <a:bodyPr/>
           <a:lstStyle/>
           <a:p>
+            <a:r>
+              <a:rPr lang="sk-SK" dirty="0" smtClean="0"/>
+              <a:t>Na riešeni som použil neuronovú sieť Keras</a:t>
+            </a:r>
+          </a:p>
+          <a:p>
+            <a:r>
+              <a:rPr lang="hu-HU" dirty="0" err="1" smtClean="0"/>
+              <a:t>Chcel</a:t>
+            </a:r>
+            <a:r>
+              <a:rPr lang="hu-HU" dirty="0" smtClean="0"/>
+              <a:t> som </a:t>
+            </a:r>
+            <a:r>
+              <a:rPr lang="hu-HU" dirty="0" err="1" smtClean="0"/>
+              <a:t>odlíšíť</a:t>
+            </a:r>
+            <a:r>
+              <a:rPr lang="hu-HU" dirty="0" smtClean="0"/>
+              <a:t> </a:t>
+            </a:r>
+            <a:r>
+              <a:rPr lang="hu-HU" dirty="0" err="1"/>
+              <a:t>zdravých</a:t>
+            </a:r>
+            <a:r>
+              <a:rPr lang="hu-HU" dirty="0"/>
+              <a:t> </a:t>
+            </a:r>
+            <a:r>
+              <a:rPr lang="hu-HU" dirty="0" err="1"/>
+              <a:t>ľudí</a:t>
+            </a:r>
+            <a:r>
+              <a:rPr lang="hu-HU" dirty="0"/>
+              <a:t> </a:t>
+            </a:r>
+            <a:r>
+              <a:rPr lang="hu-HU" dirty="0" err="1"/>
+              <a:t>od</a:t>
+            </a:r>
+            <a:r>
+              <a:rPr lang="hu-HU" dirty="0"/>
+              <a:t> </a:t>
+            </a:r>
+            <a:r>
+              <a:rPr lang="hu-HU" dirty="0" err="1"/>
+              <a:t>ľudí</a:t>
+            </a:r>
+            <a:r>
+              <a:rPr lang="hu-HU" dirty="0"/>
+              <a:t> </a:t>
+            </a:r>
+            <a:r>
+              <a:rPr lang="hu-HU" dirty="0" err="1"/>
+              <a:t>trpiacich</a:t>
+            </a:r>
+            <a:r>
+              <a:rPr lang="hu-HU" dirty="0"/>
+              <a:t> </a:t>
+            </a:r>
+            <a:r>
+              <a:rPr lang="hu-HU" dirty="0" err="1"/>
+              <a:t>Parkinsonovou</a:t>
+            </a:r>
+            <a:r>
+              <a:rPr lang="hu-HU" dirty="0"/>
+              <a:t> </a:t>
+            </a:r>
+            <a:r>
+              <a:rPr lang="hu-HU" dirty="0" err="1" smtClean="0"/>
+              <a:t>chorobou</a:t>
+            </a:r>
+            <a:endParaRPr lang="hu-HU" dirty="0" smtClean="0"/>
+          </a:p>
+          <a:p>
+            <a:r>
+              <a:rPr lang="sk-SK" dirty="0" smtClean="0"/>
+              <a:t>Moje riešenie dosiahlo 70% úspesnosť</a:t>
+            </a:r>
+          </a:p>
+          <a:p>
+            <a:endParaRPr lang="sk-SK" dirty="0" smtClean="0"/>
+          </a:p>
+          <a:p>
+            <a:endParaRPr lang="sk-SK" dirty="0" smtClean="0"/>
+          </a:p>
+          <a:p>
+            <a:endParaRPr lang="hu-HU" dirty="0" smtClean="0"/>
+          </a:p>
+          <a:p>
             <a:endParaRPr lang="hu-HU" dirty="0"/>
           </a:p>
         </p:txBody>
@@ -12461,7 +14732,2845 @@
     </p:spTree>
     <p:extLst>
       <p:ext uri="{BB962C8B-B14F-4D97-AF65-F5344CB8AC3E}">
-        <p14:creationId xmlns:p14="http://schemas.microsoft.com/office/powerpoint/2010/main" val="706368146"/>
+        <p14:creationId xmlns:p14="http://schemas.microsoft.com/office/powerpoint/2010/main" val="1729989366"/>
+      </p:ext>
+    </p:extLst>
+  </p:cSld>
+  <p:clrMapOvr>
+    <a:masterClrMapping/>
+  </p:clrMapOvr>
+</p:sld>
+</file>
+
+<file path=ppt/slides/slide4.xml><?xml version="1.0" encoding="utf-8"?>
+<p:sld xmlns:a="http://schemas.openxmlformats.org/drawingml/2006/main" xmlns:r="http://schemas.openxmlformats.org/officeDocument/2006/relationships" xmlns:p="http://schemas.openxmlformats.org/presentationml/2006/main">
+  <p:cSld>
+    <p:spTree>
+      <p:nvGrpSpPr>
+        <p:cNvPr id="1" name=""/>
+        <p:cNvGrpSpPr/>
+        <p:nvPr/>
+      </p:nvGrpSpPr>
+      <p:grpSpPr>
+        <a:xfrm>
+          <a:off x="0" y="0"/>
+          <a:ext cx="0" cy="0"/>
+          <a:chOff x="0" y="0"/>
+          <a:chExt cx="0" cy="0"/>
+        </a:xfrm>
+      </p:grpSpPr>
+      <p:sp>
+        <p:nvSpPr>
+          <p:cNvPr id="2" name="Cím 1"/>
+          <p:cNvSpPr>
+            <a:spLocks noGrp="1"/>
+          </p:cNvSpPr>
+          <p:nvPr>
+            <p:ph type="title"/>
+          </p:nvPr>
+        </p:nvSpPr>
+        <p:spPr/>
+        <p:txBody>
+          <a:bodyPr/>
+          <a:lstStyle/>
+          <a:p>
+            <a:r>
+              <a:rPr lang="hu-HU" dirty="0" err="1"/>
+              <a:t>vysvetlite</a:t>
+            </a:r>
+            <a:r>
+              <a:rPr lang="hu-HU" dirty="0"/>
+              <a:t> </a:t>
+            </a:r>
+            <a:r>
+              <a:rPr lang="hu-HU" dirty="0" err="1"/>
+              <a:t>princíp</a:t>
+            </a:r>
+            <a:r>
+              <a:rPr lang="hu-HU" dirty="0"/>
+              <a:t> </a:t>
+            </a:r>
+            <a:r>
+              <a:rPr lang="hu-HU" dirty="0" err="1"/>
+              <a:t>fungovania</a:t>
+            </a:r>
+            <a:r>
+              <a:rPr lang="hu-HU" dirty="0"/>
+              <a:t> NS</a:t>
+            </a:r>
+          </a:p>
+        </p:txBody>
+      </p:sp>
+      <p:sp>
+        <p:nvSpPr>
+          <p:cNvPr id="3" name="Tartalom helye 2"/>
+          <p:cNvSpPr>
+            <a:spLocks noGrp="1"/>
+          </p:cNvSpPr>
+          <p:nvPr>
+            <p:ph idx="1"/>
+          </p:nvPr>
+        </p:nvSpPr>
+        <p:spPr/>
+        <p:txBody>
+          <a:bodyPr/>
+          <a:lstStyle/>
+          <a:p>
+            <a:r>
+              <a:rPr lang="sk-SK" dirty="0" smtClean="0"/>
+              <a:t>Najpvr som importoval dôležité knižnice</a:t>
+            </a:r>
+            <a:endParaRPr lang="sk-SK" dirty="0"/>
+          </a:p>
+        </p:txBody>
+      </p:sp>
+      <p:pic>
+        <p:nvPicPr>
+          <p:cNvPr id="4" name="Kép 3"/>
+          <p:cNvPicPr>
+            <a:picLocks noChangeAspect="1"/>
+          </p:cNvPicPr>
+          <p:nvPr/>
+        </p:nvPicPr>
+        <p:blipFill>
+          <a:blip r:embed="rId2">
+            <a:extLst>
+              <a:ext uri="{28A0092B-C50C-407E-A947-70E740481C1C}">
+                <a14:useLocalDpi xmlns:a14="http://schemas.microsoft.com/office/drawing/2010/main" val="0"/>
+              </a:ext>
+            </a:extLst>
+          </a:blip>
+          <a:stretch>
+            <a:fillRect/>
+          </a:stretch>
+        </p:blipFill>
+        <p:spPr>
+          <a:xfrm>
+            <a:off x="1262373" y="3048710"/>
+            <a:ext cx="8535140" cy="1943268"/>
+          </a:xfrm>
+          <a:prstGeom prst="rect">
+            <a:avLst/>
+          </a:prstGeom>
+        </p:spPr>
+      </p:pic>
+    </p:spTree>
+    <p:extLst>
+      <p:ext uri="{BB962C8B-B14F-4D97-AF65-F5344CB8AC3E}">
+        <p14:creationId xmlns:p14="http://schemas.microsoft.com/office/powerpoint/2010/main" val="1714737643"/>
+      </p:ext>
+    </p:extLst>
+  </p:cSld>
+  <p:clrMapOvr>
+    <a:masterClrMapping/>
+  </p:clrMapOvr>
+</p:sld>
+</file>
+
+<file path=ppt/slides/slide5.xml><?xml version="1.0" encoding="utf-8"?>
+<p:sld xmlns:a="http://schemas.openxmlformats.org/drawingml/2006/main" xmlns:r="http://schemas.openxmlformats.org/officeDocument/2006/relationships" xmlns:p="http://schemas.openxmlformats.org/presentationml/2006/main">
+  <p:cSld>
+    <p:spTree>
+      <p:nvGrpSpPr>
+        <p:cNvPr id="1" name=""/>
+        <p:cNvGrpSpPr/>
+        <p:nvPr/>
+      </p:nvGrpSpPr>
+      <p:grpSpPr>
+        <a:xfrm>
+          <a:off x="0" y="0"/>
+          <a:ext cx="0" cy="0"/>
+          <a:chOff x="0" y="0"/>
+          <a:chExt cx="0" cy="0"/>
+        </a:xfrm>
+      </p:grpSpPr>
+      <p:sp>
+        <p:nvSpPr>
+          <p:cNvPr id="3" name="Tartalom helye 2"/>
+          <p:cNvSpPr>
+            <a:spLocks noGrp="1"/>
+          </p:cNvSpPr>
+          <p:nvPr>
+            <p:ph idx="1"/>
+          </p:nvPr>
+        </p:nvSpPr>
+        <p:spPr/>
+        <p:txBody>
+          <a:bodyPr/>
+          <a:lstStyle/>
+          <a:p>
+            <a:r>
+              <a:rPr lang="hu-HU" dirty="0" err="1" smtClean="0"/>
+              <a:t>Zo</a:t>
+            </a:r>
+            <a:r>
+              <a:rPr lang="hu-HU" dirty="0" smtClean="0"/>
+              <a:t> </a:t>
+            </a:r>
+            <a:r>
+              <a:rPr lang="hu-HU" dirty="0" err="1"/>
+              <a:t>stránky</a:t>
+            </a:r>
+            <a:r>
+              <a:rPr lang="hu-HU" dirty="0"/>
+              <a:t> </a:t>
+            </a:r>
+            <a:r>
+              <a:rPr lang="hu-HU" dirty="0" err="1"/>
+              <a:t>kaggle</a:t>
+            </a:r>
+            <a:r>
+              <a:rPr lang="hu-HU" dirty="0"/>
+              <a:t> </a:t>
+            </a:r>
+            <a:r>
+              <a:rPr lang="hu-HU" dirty="0" smtClean="0"/>
+              <a:t>som </a:t>
+            </a:r>
+            <a:r>
+              <a:rPr lang="hu-HU" dirty="0" err="1" smtClean="0"/>
+              <a:t>stiahol</a:t>
+            </a:r>
+            <a:r>
+              <a:rPr lang="hu-HU" dirty="0" smtClean="0"/>
+              <a:t> </a:t>
+            </a:r>
+            <a:r>
+              <a:rPr lang="hu-HU" dirty="0" err="1" smtClean="0"/>
+              <a:t>dataset</a:t>
+            </a:r>
+            <a:r>
+              <a:rPr lang="hu-HU" dirty="0"/>
+              <a:t>, a </a:t>
+            </a:r>
+            <a:r>
+              <a:rPr lang="hu-HU" dirty="0" err="1"/>
+              <a:t>umiestnil</a:t>
+            </a:r>
+            <a:r>
+              <a:rPr lang="hu-HU" dirty="0"/>
+              <a:t> som </a:t>
+            </a:r>
+            <a:r>
+              <a:rPr lang="hu-HU" dirty="0" err="1" smtClean="0"/>
+              <a:t>do</a:t>
+            </a:r>
+            <a:r>
+              <a:rPr lang="hu-HU" dirty="0" smtClean="0"/>
+              <a:t> </a:t>
+            </a:r>
+            <a:r>
+              <a:rPr lang="hu-HU" dirty="0" err="1" smtClean="0"/>
+              <a:t>mojho</a:t>
+            </a:r>
+            <a:r>
+              <a:rPr lang="hu-HU" dirty="0" smtClean="0"/>
+              <a:t> </a:t>
+            </a:r>
+            <a:r>
+              <a:rPr lang="hu-HU" dirty="0" err="1"/>
+              <a:t>miestneho</a:t>
+            </a:r>
+            <a:r>
+              <a:rPr lang="hu-HU" dirty="0"/>
+              <a:t> </a:t>
+            </a:r>
+            <a:r>
+              <a:rPr lang="hu-HU" dirty="0" err="1"/>
+              <a:t>pracovného</a:t>
+            </a:r>
+            <a:r>
+              <a:rPr lang="hu-HU" dirty="0"/>
+              <a:t> </a:t>
+            </a:r>
+            <a:r>
+              <a:rPr lang="hu-HU" dirty="0" err="1" smtClean="0"/>
+              <a:t>adresára</a:t>
+            </a:r>
+            <a:endParaRPr lang="hu-HU" dirty="0"/>
+          </a:p>
+          <a:p>
+            <a:r>
+              <a:rPr lang="hu-HU" dirty="0" smtClean="0"/>
+              <a:t>Potom som </a:t>
+            </a:r>
+            <a:r>
+              <a:rPr lang="hu-HU" dirty="0" err="1" smtClean="0"/>
+              <a:t>načítal</a:t>
+            </a:r>
+            <a:r>
+              <a:rPr lang="hu-HU" dirty="0" smtClean="0"/>
+              <a:t> </a:t>
+            </a:r>
+            <a:r>
+              <a:rPr lang="hu-HU" dirty="0" err="1" smtClean="0"/>
+              <a:t>do</a:t>
+            </a:r>
+            <a:r>
+              <a:rPr lang="hu-HU" dirty="0" smtClean="0"/>
+              <a:t> </a:t>
+            </a:r>
+            <a:r>
+              <a:rPr lang="hu-HU" dirty="0" err="1"/>
+              <a:t>mojho</a:t>
+            </a:r>
+            <a:r>
+              <a:rPr lang="hu-HU" dirty="0"/>
+              <a:t> </a:t>
+            </a:r>
+            <a:r>
+              <a:rPr lang="hu-HU" dirty="0" err="1" smtClean="0"/>
+              <a:t>projektu</a:t>
+            </a:r>
+            <a:r>
+              <a:rPr lang="hu-HU" dirty="0" smtClean="0"/>
+              <a:t>, a </a:t>
+            </a:r>
+            <a:r>
+              <a:rPr lang="hu-HU" dirty="0" err="1" smtClean="0"/>
+              <a:t>vypísal</a:t>
+            </a:r>
+            <a:r>
+              <a:rPr lang="hu-HU" dirty="0" smtClean="0"/>
+              <a:t> som </a:t>
+            </a:r>
+            <a:r>
+              <a:rPr lang="hu-HU" dirty="0" err="1" smtClean="0"/>
+              <a:t>prvých</a:t>
+            </a:r>
+            <a:r>
+              <a:rPr lang="hu-HU" dirty="0" smtClean="0"/>
+              <a:t> </a:t>
+            </a:r>
+            <a:r>
+              <a:rPr lang="hu-HU" dirty="0" err="1" smtClean="0"/>
+              <a:t>päť</a:t>
+            </a:r>
+            <a:r>
+              <a:rPr lang="hu-HU" dirty="0" smtClean="0"/>
+              <a:t> </a:t>
+            </a:r>
+            <a:r>
+              <a:rPr lang="hu-HU" dirty="0" err="1" smtClean="0"/>
+              <a:t>riadkov</a:t>
+            </a:r>
+            <a:endParaRPr lang="hu-HU" dirty="0"/>
+          </a:p>
+        </p:txBody>
+      </p:sp>
+      <p:pic>
+        <p:nvPicPr>
+          <p:cNvPr id="4" name="Kép 3"/>
+          <p:cNvPicPr>
+            <a:picLocks noChangeAspect="1"/>
+          </p:cNvPicPr>
+          <p:nvPr/>
+        </p:nvPicPr>
+        <p:blipFill>
+          <a:blip r:embed="rId2">
+            <a:extLst>
+              <a:ext uri="{28A0092B-C50C-407E-A947-70E740481C1C}">
+                <a14:useLocalDpi xmlns:a14="http://schemas.microsoft.com/office/drawing/2010/main" val="0"/>
+              </a:ext>
+            </a:extLst>
+          </a:blip>
+          <a:stretch>
+            <a:fillRect/>
+          </a:stretch>
+        </p:blipFill>
+        <p:spPr>
+          <a:xfrm>
+            <a:off x="1463211" y="3710264"/>
+            <a:ext cx="9584200" cy="3025402"/>
+          </a:xfrm>
+          <a:prstGeom prst="rect">
+            <a:avLst/>
+          </a:prstGeom>
+        </p:spPr>
+      </p:pic>
+    </p:spTree>
+    <p:extLst>
+      <p:ext uri="{BB962C8B-B14F-4D97-AF65-F5344CB8AC3E}">
+        <p14:creationId xmlns:p14="http://schemas.microsoft.com/office/powerpoint/2010/main" val="1697201817"/>
+      </p:ext>
+    </p:extLst>
+  </p:cSld>
+  <p:clrMapOvr>
+    <a:masterClrMapping/>
+  </p:clrMapOvr>
+</p:sld>
+</file>
+
+<file path=ppt/slides/slide6.xml><?xml version="1.0" encoding="utf-8"?>
+<p:sld xmlns:a="http://schemas.openxmlformats.org/drawingml/2006/main" xmlns:r="http://schemas.openxmlformats.org/officeDocument/2006/relationships" xmlns:p="http://schemas.openxmlformats.org/presentationml/2006/main">
+  <p:cSld>
+    <p:spTree>
+      <p:nvGrpSpPr>
+        <p:cNvPr id="1" name=""/>
+        <p:cNvGrpSpPr/>
+        <p:nvPr/>
+      </p:nvGrpSpPr>
+      <p:grpSpPr>
+        <a:xfrm>
+          <a:off x="0" y="0"/>
+          <a:ext cx="0" cy="0"/>
+          <a:chOff x="0" y="0"/>
+          <a:chExt cx="0" cy="0"/>
+        </a:xfrm>
+      </p:grpSpPr>
+      <p:sp>
+        <p:nvSpPr>
+          <p:cNvPr id="3" name="Tartalom helye 2"/>
+          <p:cNvSpPr>
+            <a:spLocks noGrp="1"/>
+          </p:cNvSpPr>
+          <p:nvPr>
+            <p:ph idx="1"/>
+          </p:nvPr>
+        </p:nvSpPr>
+        <p:spPr/>
+        <p:txBody>
+          <a:bodyPr/>
+          <a:lstStyle/>
+          <a:p>
+            <a:r>
+              <a:rPr lang="sk-SK" dirty="0"/>
+              <a:t>Získané data som </a:t>
+            </a:r>
+            <a:r>
+              <a:rPr lang="sk-SK" dirty="0" smtClean="0"/>
+              <a:t>uložil </a:t>
+            </a:r>
+            <a:r>
+              <a:rPr lang="sk-SK" dirty="0"/>
+              <a:t>do 2D </a:t>
+            </a:r>
+            <a:r>
+              <a:rPr lang="sk-SK" dirty="0" smtClean="0"/>
+              <a:t>zoznamu, </a:t>
+            </a:r>
+            <a:r>
+              <a:rPr lang="sk-SK" dirty="0"/>
+              <a:t>kde prvá dimenzia sú riadky a druhá dimenzia sú </a:t>
+            </a:r>
+            <a:r>
+              <a:rPr lang="sk-SK" dirty="0" smtClean="0"/>
+              <a:t>stĺpce</a:t>
+            </a:r>
+            <a:endParaRPr lang="hu-HU" dirty="0"/>
+          </a:p>
+        </p:txBody>
+      </p:sp>
+      <p:pic>
+        <p:nvPicPr>
+          <p:cNvPr id="4" name="Kép 3"/>
+          <p:cNvPicPr>
+            <a:picLocks noChangeAspect="1"/>
+          </p:cNvPicPr>
+          <p:nvPr/>
+        </p:nvPicPr>
+        <p:blipFill>
+          <a:blip r:embed="rId2">
+            <a:extLst>
+              <a:ext uri="{28A0092B-C50C-407E-A947-70E740481C1C}">
+                <a14:useLocalDpi xmlns:a14="http://schemas.microsoft.com/office/drawing/2010/main" val="0"/>
+              </a:ext>
+            </a:extLst>
+          </a:blip>
+          <a:stretch>
+            <a:fillRect/>
+          </a:stretch>
+        </p:blipFill>
+        <p:spPr>
+          <a:xfrm>
+            <a:off x="1347277" y="3204754"/>
+            <a:ext cx="9581980" cy="2804159"/>
+          </a:xfrm>
+          <a:prstGeom prst="rect">
+            <a:avLst/>
+          </a:prstGeom>
+        </p:spPr>
+      </p:pic>
+    </p:spTree>
+    <p:extLst>
+      <p:ext uri="{BB962C8B-B14F-4D97-AF65-F5344CB8AC3E}">
+        <p14:creationId xmlns:p14="http://schemas.microsoft.com/office/powerpoint/2010/main" val="1566863729"/>
+      </p:ext>
+    </p:extLst>
+  </p:cSld>
+  <p:clrMapOvr>
+    <a:masterClrMapping/>
+  </p:clrMapOvr>
+</p:sld>
+</file>
+
+<file path=ppt/slides/slide7.xml><?xml version="1.0" encoding="utf-8"?>
+<p:sld xmlns:a="http://schemas.openxmlformats.org/drawingml/2006/main" xmlns:r="http://schemas.openxmlformats.org/officeDocument/2006/relationships" xmlns:p="http://schemas.openxmlformats.org/presentationml/2006/main">
+  <p:cSld>
+    <p:spTree>
+      <p:nvGrpSpPr>
+        <p:cNvPr id="1" name=""/>
+        <p:cNvGrpSpPr/>
+        <p:nvPr/>
+      </p:nvGrpSpPr>
+      <p:grpSpPr>
+        <a:xfrm>
+          <a:off x="0" y="0"/>
+          <a:ext cx="0" cy="0"/>
+          <a:chOff x="0" y="0"/>
+          <a:chExt cx="0" cy="0"/>
+        </a:xfrm>
+      </p:grpSpPr>
+      <p:sp>
+        <p:nvSpPr>
+          <p:cNvPr id="2" name="Cím 1"/>
+          <p:cNvSpPr>
+            <a:spLocks noGrp="1"/>
+          </p:cNvSpPr>
+          <p:nvPr>
+            <p:ph type="title"/>
+          </p:nvPr>
+        </p:nvSpPr>
+        <p:spPr>
+          <a:xfrm>
+            <a:off x="1141413" y="618518"/>
+            <a:ext cx="9905998" cy="156545"/>
+          </a:xfrm>
+        </p:spPr>
+        <p:txBody>
+          <a:bodyPr>
+            <a:normAutofit fontScale="90000"/>
+          </a:bodyPr>
+          <a:lstStyle/>
+          <a:p>
+            <a:endParaRPr lang="hu-HU" dirty="0"/>
+          </a:p>
+        </p:txBody>
+      </p:sp>
+      <p:sp>
+        <p:nvSpPr>
+          <p:cNvPr id="3" name="Tartalom helye 2"/>
+          <p:cNvSpPr>
+            <a:spLocks noGrp="1"/>
+          </p:cNvSpPr>
+          <p:nvPr>
+            <p:ph idx="1"/>
+          </p:nvPr>
+        </p:nvSpPr>
+        <p:spPr>
+          <a:xfrm>
+            <a:off x="1141412" y="1105989"/>
+            <a:ext cx="9905999" cy="4685212"/>
+          </a:xfrm>
+        </p:spPr>
+        <p:txBody>
+          <a:bodyPr>
+            <a:normAutofit fontScale="77500" lnSpcReduction="20000"/>
+          </a:bodyPr>
+          <a:lstStyle/>
+          <a:p>
+            <a:pPr algn="just"/>
+            <a:r>
+              <a:rPr lang="hu-HU" dirty="0" err="1"/>
+              <a:t>Modely</a:t>
+            </a:r>
+            <a:r>
+              <a:rPr lang="hu-HU" dirty="0"/>
+              <a:t> v </a:t>
+            </a:r>
+            <a:r>
+              <a:rPr lang="hu-HU" dirty="0" err="1"/>
+              <a:t>Kerase</a:t>
+            </a:r>
+            <a:r>
+              <a:rPr lang="hu-HU" dirty="0"/>
+              <a:t> </a:t>
+            </a:r>
+            <a:r>
+              <a:rPr lang="hu-HU" dirty="0" err="1"/>
+              <a:t>sú</a:t>
+            </a:r>
+            <a:r>
+              <a:rPr lang="hu-HU" dirty="0"/>
+              <a:t> </a:t>
+            </a:r>
+            <a:r>
+              <a:rPr lang="hu-HU" dirty="0" err="1"/>
+              <a:t>definované</a:t>
+            </a:r>
+            <a:r>
+              <a:rPr lang="hu-HU" dirty="0"/>
+              <a:t> </a:t>
+            </a:r>
+            <a:r>
+              <a:rPr lang="hu-HU" dirty="0" err="1"/>
+              <a:t>ako</a:t>
+            </a:r>
+            <a:r>
+              <a:rPr lang="hu-HU" dirty="0"/>
+              <a:t> </a:t>
+            </a:r>
+            <a:r>
+              <a:rPr lang="hu-HU" dirty="0" err="1"/>
+              <a:t>sled</a:t>
+            </a:r>
+            <a:r>
+              <a:rPr lang="hu-HU" dirty="0"/>
+              <a:t> </a:t>
+            </a:r>
+            <a:r>
+              <a:rPr lang="hu-HU" dirty="0" err="1"/>
+              <a:t>vrstiev</a:t>
+            </a:r>
+            <a:r>
+              <a:rPr lang="hu-HU" dirty="0" smtClean="0"/>
+              <a:t>.</a:t>
+            </a:r>
+          </a:p>
+          <a:p>
+            <a:pPr algn="just"/>
+            <a:r>
+              <a:rPr lang="hu-HU" dirty="0" err="1"/>
+              <a:t>Vytvárame</a:t>
+            </a:r>
+            <a:r>
+              <a:rPr lang="hu-HU" dirty="0"/>
+              <a:t> </a:t>
+            </a:r>
+            <a:r>
+              <a:rPr lang="hu-HU" dirty="0" err="1"/>
+              <a:t>sekvenčný</a:t>
+            </a:r>
+            <a:r>
+              <a:rPr lang="hu-HU" dirty="0"/>
+              <a:t> </a:t>
+            </a:r>
+            <a:r>
+              <a:rPr lang="hu-HU" dirty="0" err="1"/>
+              <a:t>model</a:t>
+            </a:r>
+            <a:r>
+              <a:rPr lang="hu-HU" dirty="0"/>
+              <a:t> a </a:t>
+            </a:r>
+            <a:r>
+              <a:rPr lang="hu-HU" dirty="0" err="1"/>
+              <a:t>postupne</a:t>
+            </a:r>
+            <a:r>
+              <a:rPr lang="hu-HU" dirty="0"/>
+              <a:t> </a:t>
+            </a:r>
+            <a:r>
+              <a:rPr lang="hu-HU" dirty="0" err="1"/>
+              <a:t>pridávame</a:t>
+            </a:r>
+            <a:r>
+              <a:rPr lang="hu-HU" dirty="0"/>
+              <a:t> </a:t>
+            </a:r>
+            <a:r>
+              <a:rPr lang="hu-HU" dirty="0" err="1"/>
+              <a:t>vrstvy</a:t>
+            </a:r>
+            <a:r>
+              <a:rPr lang="hu-HU" dirty="0"/>
+              <a:t>, </a:t>
+            </a:r>
+            <a:r>
+              <a:rPr lang="hu-HU" dirty="0" err="1"/>
+              <a:t>až</a:t>
+            </a:r>
+            <a:r>
+              <a:rPr lang="hu-HU" dirty="0"/>
+              <a:t> </a:t>
+            </a:r>
+            <a:r>
+              <a:rPr lang="hu-HU" dirty="0" err="1"/>
+              <a:t>kým</a:t>
+            </a:r>
+            <a:r>
+              <a:rPr lang="hu-HU" dirty="0"/>
+              <a:t> </a:t>
+            </a:r>
+            <a:r>
+              <a:rPr lang="hu-HU" dirty="0" err="1"/>
+              <a:t>nebudeme</a:t>
+            </a:r>
+            <a:r>
+              <a:rPr lang="hu-HU" dirty="0"/>
+              <a:t> </a:t>
+            </a:r>
+            <a:r>
+              <a:rPr lang="hu-HU" dirty="0" err="1"/>
+              <a:t>spokojní</a:t>
+            </a:r>
+            <a:r>
+              <a:rPr lang="hu-HU" dirty="0"/>
+              <a:t> s </a:t>
+            </a:r>
+            <a:r>
+              <a:rPr lang="hu-HU" dirty="0" err="1"/>
+              <a:t>našou</a:t>
+            </a:r>
+            <a:r>
+              <a:rPr lang="hu-HU" dirty="0"/>
+              <a:t> </a:t>
+            </a:r>
+            <a:r>
+              <a:rPr lang="hu-HU" dirty="0" err="1"/>
+              <a:t>sieťovou</a:t>
+            </a:r>
+            <a:r>
+              <a:rPr lang="hu-HU" dirty="0"/>
+              <a:t> </a:t>
+            </a:r>
+            <a:r>
+              <a:rPr lang="hu-HU" dirty="0" err="1"/>
+              <a:t>architektúrou</a:t>
+            </a:r>
+            <a:r>
+              <a:rPr lang="hu-HU" dirty="0" smtClean="0"/>
+              <a:t>.</a:t>
+            </a:r>
+          </a:p>
+          <a:p>
+            <a:pPr algn="just"/>
+            <a:r>
+              <a:rPr lang="hu-HU" dirty="0" err="1"/>
+              <a:t>Prvá</a:t>
+            </a:r>
+            <a:r>
+              <a:rPr lang="hu-HU" dirty="0"/>
+              <a:t> </a:t>
+            </a:r>
+            <a:r>
+              <a:rPr lang="hu-HU" dirty="0" err="1"/>
+              <a:t>vec</a:t>
+            </a:r>
+            <a:r>
+              <a:rPr lang="hu-HU" dirty="0"/>
+              <a:t>, </a:t>
+            </a:r>
+            <a:r>
+              <a:rPr lang="hu-HU" dirty="0" err="1"/>
+              <a:t>ktorú</a:t>
+            </a:r>
+            <a:r>
+              <a:rPr lang="hu-HU" dirty="0"/>
+              <a:t> </a:t>
+            </a:r>
+            <a:r>
+              <a:rPr lang="hu-HU" dirty="0" err="1"/>
+              <a:t>treba</a:t>
+            </a:r>
+            <a:r>
+              <a:rPr lang="hu-HU" dirty="0"/>
+              <a:t> </a:t>
+            </a:r>
+            <a:r>
+              <a:rPr lang="hu-HU" dirty="0" err="1"/>
+              <a:t>napraviť</a:t>
+            </a:r>
+            <a:r>
+              <a:rPr lang="hu-HU" dirty="0"/>
+              <a:t>, je </a:t>
+            </a:r>
+            <a:r>
+              <a:rPr lang="hu-HU" dirty="0" err="1"/>
+              <a:t>zabezpečiť</a:t>
+            </a:r>
+            <a:r>
+              <a:rPr lang="hu-HU" dirty="0"/>
+              <a:t>, </a:t>
+            </a:r>
+            <a:r>
+              <a:rPr lang="hu-HU" dirty="0" err="1"/>
+              <a:t>aby</a:t>
+            </a:r>
+            <a:r>
+              <a:rPr lang="hu-HU" dirty="0"/>
+              <a:t> </a:t>
+            </a:r>
+            <a:r>
+              <a:rPr lang="hu-HU" dirty="0" err="1"/>
+              <a:t>vstupná</a:t>
+            </a:r>
+            <a:r>
+              <a:rPr lang="hu-HU" dirty="0"/>
+              <a:t> </a:t>
+            </a:r>
+            <a:r>
+              <a:rPr lang="hu-HU" dirty="0" err="1"/>
+              <a:t>vrstva</a:t>
+            </a:r>
+            <a:r>
+              <a:rPr lang="hu-HU" dirty="0"/>
+              <a:t> </a:t>
+            </a:r>
+            <a:r>
+              <a:rPr lang="hu-HU" dirty="0" err="1"/>
+              <a:t>mala</a:t>
+            </a:r>
+            <a:r>
+              <a:rPr lang="hu-HU" dirty="0"/>
+              <a:t> </a:t>
+            </a:r>
+            <a:r>
+              <a:rPr lang="hu-HU" dirty="0" err="1"/>
+              <a:t>správny</a:t>
+            </a:r>
+            <a:r>
+              <a:rPr lang="hu-HU" dirty="0"/>
+              <a:t> </a:t>
+            </a:r>
+            <a:r>
+              <a:rPr lang="hu-HU" dirty="0" err="1"/>
+              <a:t>počet</a:t>
+            </a:r>
+            <a:r>
+              <a:rPr lang="hu-HU" dirty="0"/>
+              <a:t> </a:t>
+            </a:r>
+            <a:r>
+              <a:rPr lang="hu-HU" dirty="0" err="1"/>
+              <a:t>vstupných</a:t>
+            </a:r>
+            <a:r>
+              <a:rPr lang="hu-HU" dirty="0"/>
+              <a:t> </a:t>
+            </a:r>
+            <a:r>
+              <a:rPr lang="hu-HU" dirty="0" err="1"/>
+              <a:t>funkcií</a:t>
+            </a:r>
+            <a:r>
+              <a:rPr lang="hu-HU" dirty="0"/>
+              <a:t>. </a:t>
+            </a:r>
+            <a:r>
+              <a:rPr lang="hu-HU" dirty="0" err="1"/>
+              <a:t>Toto</a:t>
+            </a:r>
+            <a:r>
+              <a:rPr lang="hu-HU" dirty="0"/>
+              <a:t> je </a:t>
+            </a:r>
+            <a:r>
+              <a:rPr lang="hu-HU" dirty="0" err="1"/>
+              <a:t>možné</a:t>
+            </a:r>
+            <a:r>
+              <a:rPr lang="hu-HU" dirty="0"/>
+              <a:t> </a:t>
+            </a:r>
+            <a:r>
+              <a:rPr lang="hu-HU" dirty="0" err="1"/>
+              <a:t>zadať</a:t>
+            </a:r>
+            <a:r>
+              <a:rPr lang="hu-HU" dirty="0"/>
+              <a:t> </a:t>
+            </a:r>
+            <a:r>
+              <a:rPr lang="hu-HU" dirty="0" err="1"/>
+              <a:t>pri</a:t>
+            </a:r>
+            <a:r>
+              <a:rPr lang="hu-HU" dirty="0"/>
+              <a:t> </a:t>
+            </a:r>
+            <a:r>
+              <a:rPr lang="hu-HU" dirty="0" err="1"/>
+              <a:t>vytváraní</a:t>
+            </a:r>
+            <a:r>
+              <a:rPr lang="hu-HU" dirty="0"/>
+              <a:t> </a:t>
+            </a:r>
+            <a:r>
+              <a:rPr lang="hu-HU" dirty="0" err="1"/>
+              <a:t>prvej</a:t>
+            </a:r>
+            <a:r>
+              <a:rPr lang="hu-HU" dirty="0"/>
+              <a:t> </a:t>
+            </a:r>
+            <a:r>
+              <a:rPr lang="hu-HU" dirty="0" err="1"/>
+              <a:t>vrstvy</a:t>
+            </a:r>
+            <a:r>
+              <a:rPr lang="hu-HU" dirty="0"/>
+              <a:t> s </a:t>
+            </a:r>
+            <a:r>
+              <a:rPr lang="hu-HU" dirty="0" err="1"/>
+              <a:t>argumentom</a:t>
+            </a:r>
+            <a:r>
+              <a:rPr lang="hu-HU" dirty="0"/>
+              <a:t> </a:t>
+            </a:r>
+            <a:r>
+              <a:rPr lang="hu-HU" dirty="0" err="1" smtClean="0"/>
+              <a:t>input_dim</a:t>
+            </a:r>
+            <a:r>
+              <a:rPr lang="hu-HU" dirty="0" smtClean="0"/>
+              <a:t>.</a:t>
+            </a:r>
+          </a:p>
+          <a:p>
+            <a:pPr algn="just" fontAlgn="t"/>
+            <a:r>
+              <a:rPr lang="hu-HU" dirty="0" smtClean="0"/>
+              <a:t>V </a:t>
+            </a:r>
+            <a:r>
+              <a:rPr lang="hu-HU" dirty="0" err="1"/>
+              <a:t>tomto</a:t>
+            </a:r>
+            <a:r>
+              <a:rPr lang="hu-HU" dirty="0"/>
+              <a:t> </a:t>
+            </a:r>
+            <a:r>
+              <a:rPr lang="hu-HU" dirty="0" err="1"/>
+              <a:t>príklade</a:t>
+            </a:r>
+            <a:r>
+              <a:rPr lang="hu-HU" dirty="0"/>
+              <a:t> </a:t>
+            </a:r>
+            <a:r>
+              <a:rPr lang="hu-HU" dirty="0" err="1"/>
+              <a:t>použijeme</a:t>
+            </a:r>
+            <a:r>
+              <a:rPr lang="hu-HU" dirty="0"/>
+              <a:t> </a:t>
+            </a:r>
+            <a:r>
+              <a:rPr lang="hu-HU" dirty="0" err="1"/>
+              <a:t>plne</a:t>
+            </a:r>
+            <a:r>
+              <a:rPr lang="hu-HU" dirty="0"/>
+              <a:t> </a:t>
+            </a:r>
+            <a:r>
+              <a:rPr lang="hu-HU" dirty="0" err="1"/>
+              <a:t>prepojenú</a:t>
+            </a:r>
+            <a:r>
+              <a:rPr lang="hu-HU" dirty="0"/>
+              <a:t> </a:t>
+            </a:r>
+            <a:r>
+              <a:rPr lang="hu-HU" dirty="0" err="1"/>
+              <a:t>sieťovú</a:t>
+            </a:r>
+            <a:r>
+              <a:rPr lang="hu-HU" dirty="0"/>
+              <a:t> </a:t>
+            </a:r>
+            <a:r>
+              <a:rPr lang="hu-HU" dirty="0" err="1"/>
+              <a:t>štruktúru</a:t>
+            </a:r>
+            <a:r>
+              <a:rPr lang="hu-HU" dirty="0"/>
+              <a:t> s </a:t>
+            </a:r>
+            <a:r>
+              <a:rPr lang="hu-HU" dirty="0" err="1"/>
+              <a:t>tromi</a:t>
+            </a:r>
+            <a:r>
+              <a:rPr lang="hu-HU" dirty="0"/>
+              <a:t> </a:t>
+            </a:r>
+            <a:r>
+              <a:rPr lang="hu-HU" dirty="0" err="1"/>
+              <a:t>vrstvami</a:t>
+            </a:r>
+            <a:r>
+              <a:rPr lang="hu-HU" dirty="0" smtClean="0"/>
+              <a:t>.</a:t>
+            </a:r>
+          </a:p>
+          <a:p>
+            <a:pPr algn="just" fontAlgn="t"/>
+            <a:r>
+              <a:rPr lang="hu-HU" dirty="0" err="1"/>
+              <a:t>Plne</a:t>
+            </a:r>
+            <a:r>
+              <a:rPr lang="hu-HU" dirty="0"/>
+              <a:t> </a:t>
+            </a:r>
+            <a:r>
+              <a:rPr lang="hu-HU" dirty="0" err="1"/>
+              <a:t>spojené</a:t>
+            </a:r>
+            <a:r>
+              <a:rPr lang="hu-HU" dirty="0"/>
+              <a:t> </a:t>
+            </a:r>
+            <a:r>
+              <a:rPr lang="hu-HU" dirty="0" err="1"/>
+              <a:t>vrstvy</a:t>
+            </a:r>
+            <a:r>
+              <a:rPr lang="hu-HU" dirty="0"/>
+              <a:t> </a:t>
+            </a:r>
+            <a:r>
+              <a:rPr lang="hu-HU" dirty="0" err="1"/>
+              <a:t>sú</a:t>
+            </a:r>
+            <a:r>
+              <a:rPr lang="hu-HU" dirty="0"/>
+              <a:t> </a:t>
+            </a:r>
+            <a:r>
+              <a:rPr lang="hu-HU" dirty="0" err="1"/>
+              <a:t>definované</a:t>
+            </a:r>
+            <a:r>
+              <a:rPr lang="hu-HU" dirty="0"/>
+              <a:t> </a:t>
+            </a:r>
+            <a:r>
+              <a:rPr lang="hu-HU" dirty="0" err="1"/>
+              <a:t>pomocou</a:t>
+            </a:r>
+            <a:r>
+              <a:rPr lang="hu-HU" dirty="0"/>
+              <a:t> </a:t>
+            </a:r>
+            <a:r>
+              <a:rPr lang="hu-HU" dirty="0" err="1"/>
+              <a:t>triedy</a:t>
+            </a:r>
+            <a:r>
+              <a:rPr lang="hu-HU" dirty="0"/>
+              <a:t> </a:t>
+            </a:r>
+            <a:r>
+              <a:rPr lang="hu-HU" dirty="0" err="1"/>
+              <a:t>Dense</a:t>
+            </a:r>
+            <a:r>
+              <a:rPr lang="hu-HU" dirty="0"/>
+              <a:t>. </a:t>
+            </a:r>
+            <a:r>
+              <a:rPr lang="hu-HU" dirty="0" err="1"/>
+              <a:t>Ako</a:t>
+            </a:r>
+            <a:r>
+              <a:rPr lang="hu-HU" dirty="0"/>
+              <a:t> </a:t>
+            </a:r>
+            <a:r>
+              <a:rPr lang="hu-HU" dirty="0" err="1"/>
+              <a:t>prvý</a:t>
+            </a:r>
+            <a:r>
+              <a:rPr lang="hu-HU" dirty="0"/>
+              <a:t> </a:t>
+            </a:r>
+            <a:r>
+              <a:rPr lang="hu-HU" dirty="0" err="1"/>
+              <a:t>argument</a:t>
+            </a:r>
+            <a:r>
+              <a:rPr lang="hu-HU" dirty="0"/>
+              <a:t> </a:t>
+            </a:r>
+            <a:r>
+              <a:rPr lang="hu-HU" dirty="0" err="1"/>
+              <a:t>môžeme</a:t>
+            </a:r>
+            <a:r>
+              <a:rPr lang="hu-HU" dirty="0"/>
+              <a:t> </a:t>
+            </a:r>
+            <a:r>
+              <a:rPr lang="hu-HU" dirty="0" err="1"/>
+              <a:t>určiť</a:t>
+            </a:r>
+            <a:r>
+              <a:rPr lang="hu-HU" dirty="0"/>
+              <a:t> </a:t>
+            </a:r>
+            <a:r>
+              <a:rPr lang="hu-HU" dirty="0" err="1"/>
+              <a:t>počet</a:t>
+            </a:r>
+            <a:r>
+              <a:rPr lang="hu-HU" dirty="0"/>
+              <a:t> </a:t>
+            </a:r>
+            <a:r>
+              <a:rPr lang="hu-HU" dirty="0" err="1"/>
+              <a:t>neurónov</a:t>
+            </a:r>
+            <a:r>
+              <a:rPr lang="hu-HU" dirty="0"/>
+              <a:t> </a:t>
+            </a:r>
+            <a:r>
+              <a:rPr lang="hu-HU" dirty="0" err="1"/>
+              <a:t>alebo</a:t>
+            </a:r>
+            <a:r>
+              <a:rPr lang="hu-HU" dirty="0"/>
+              <a:t> </a:t>
+            </a:r>
+            <a:r>
+              <a:rPr lang="hu-HU" dirty="0" err="1"/>
+              <a:t>uzlov</a:t>
+            </a:r>
+            <a:r>
+              <a:rPr lang="hu-HU" dirty="0"/>
+              <a:t> </a:t>
+            </a:r>
+            <a:r>
+              <a:rPr lang="hu-HU" dirty="0" err="1"/>
+              <a:t>vo</a:t>
+            </a:r>
+            <a:r>
+              <a:rPr lang="hu-HU" dirty="0"/>
+              <a:t> </a:t>
+            </a:r>
+            <a:r>
+              <a:rPr lang="hu-HU" dirty="0" err="1"/>
+              <a:t>vrstve</a:t>
+            </a:r>
+            <a:r>
+              <a:rPr lang="hu-HU" dirty="0"/>
+              <a:t> a </a:t>
+            </a:r>
+            <a:r>
+              <a:rPr lang="hu-HU" dirty="0" err="1"/>
+              <a:t>pomocou</a:t>
+            </a:r>
+            <a:r>
+              <a:rPr lang="hu-HU" dirty="0"/>
+              <a:t> </a:t>
+            </a:r>
+            <a:r>
+              <a:rPr lang="hu-HU" dirty="0" err="1"/>
+              <a:t>aktivačného</a:t>
+            </a:r>
+            <a:r>
+              <a:rPr lang="hu-HU" dirty="0"/>
+              <a:t> </a:t>
+            </a:r>
+            <a:r>
+              <a:rPr lang="hu-HU" dirty="0" err="1"/>
+              <a:t>argumentu</a:t>
+            </a:r>
+            <a:r>
+              <a:rPr lang="hu-HU" dirty="0"/>
+              <a:t> </a:t>
+            </a:r>
+            <a:r>
+              <a:rPr lang="hu-HU" dirty="0" err="1"/>
+              <a:t>určiť</a:t>
+            </a:r>
+            <a:r>
+              <a:rPr lang="hu-HU" dirty="0"/>
+              <a:t> </a:t>
+            </a:r>
+            <a:r>
+              <a:rPr lang="hu-HU" dirty="0" err="1"/>
+              <a:t>aktivačnú</a:t>
+            </a:r>
+            <a:r>
+              <a:rPr lang="hu-HU" dirty="0"/>
+              <a:t> </a:t>
+            </a:r>
+            <a:r>
+              <a:rPr lang="hu-HU" dirty="0" err="1"/>
+              <a:t>funkciu</a:t>
+            </a:r>
+            <a:r>
+              <a:rPr lang="hu-HU" dirty="0"/>
+              <a:t>.</a:t>
+            </a:r>
+            <a:endParaRPr lang="hu-HU" dirty="0" smtClean="0"/>
+          </a:p>
+          <a:p>
+            <a:pPr algn="just" fontAlgn="t"/>
+            <a:r>
+              <a:rPr lang="hu-HU" dirty="0" err="1" smtClean="0"/>
+              <a:t>Model</a:t>
+            </a:r>
+            <a:r>
+              <a:rPr lang="hu-HU" dirty="0" smtClean="0"/>
+              <a:t> </a:t>
+            </a:r>
+            <a:r>
+              <a:rPr lang="hu-HU" dirty="0" err="1"/>
+              <a:t>očakáva</a:t>
+            </a:r>
+            <a:r>
+              <a:rPr lang="hu-HU" dirty="0"/>
+              <a:t> </a:t>
+            </a:r>
+            <a:r>
+              <a:rPr lang="hu-HU" dirty="0" err="1"/>
+              <a:t>riadky</a:t>
+            </a:r>
+            <a:r>
+              <a:rPr lang="hu-HU" dirty="0"/>
+              <a:t> </a:t>
+            </a:r>
+            <a:r>
+              <a:rPr lang="hu-HU" dirty="0" err="1"/>
+              <a:t>údajov</a:t>
+            </a:r>
+            <a:r>
+              <a:rPr lang="hu-HU" dirty="0"/>
+              <a:t> s 754 </a:t>
+            </a:r>
+            <a:r>
+              <a:rPr lang="hu-HU" dirty="0" err="1"/>
+              <a:t>premennými</a:t>
+            </a:r>
+            <a:r>
+              <a:rPr lang="hu-HU" dirty="0"/>
+              <a:t> (</a:t>
+            </a:r>
+            <a:r>
+              <a:rPr lang="hu-HU" dirty="0" err="1"/>
+              <a:t>argument</a:t>
+            </a:r>
+            <a:r>
+              <a:rPr lang="hu-HU" dirty="0"/>
+              <a:t> </a:t>
+            </a:r>
+            <a:r>
+              <a:rPr lang="hu-HU" dirty="0" err="1"/>
+              <a:t>input_dim</a:t>
+            </a:r>
+            <a:r>
+              <a:rPr lang="hu-HU" dirty="0"/>
+              <a:t> = 754)</a:t>
+            </a:r>
+          </a:p>
+          <a:p>
+            <a:pPr algn="just" fontAlgn="t"/>
+            <a:r>
+              <a:rPr lang="hu-HU" dirty="0" err="1" smtClean="0"/>
+              <a:t>Prvá</a:t>
+            </a:r>
+            <a:r>
+              <a:rPr lang="hu-HU" dirty="0" smtClean="0"/>
+              <a:t> </a:t>
+            </a:r>
+            <a:r>
+              <a:rPr lang="hu-HU" dirty="0" err="1"/>
+              <a:t>skrytá</a:t>
+            </a:r>
+            <a:r>
+              <a:rPr lang="hu-HU" dirty="0"/>
+              <a:t> </a:t>
+            </a:r>
+            <a:r>
+              <a:rPr lang="hu-HU" dirty="0" err="1"/>
+              <a:t>vrstva</a:t>
+            </a:r>
+            <a:r>
+              <a:rPr lang="hu-HU" dirty="0"/>
+              <a:t> </a:t>
+            </a:r>
+            <a:r>
+              <a:rPr lang="hu-HU" dirty="0" err="1"/>
+              <a:t>má</a:t>
+            </a:r>
+            <a:r>
+              <a:rPr lang="hu-HU" dirty="0"/>
+              <a:t> 754 </a:t>
+            </a:r>
+            <a:r>
+              <a:rPr lang="hu-HU" dirty="0" err="1"/>
+              <a:t>uzlov</a:t>
+            </a:r>
+            <a:r>
+              <a:rPr lang="hu-HU" dirty="0"/>
+              <a:t> a </a:t>
+            </a:r>
+            <a:r>
+              <a:rPr lang="hu-HU" dirty="0" err="1"/>
+              <a:t>používa</a:t>
+            </a:r>
+            <a:r>
+              <a:rPr lang="hu-HU" dirty="0"/>
+              <a:t> </a:t>
+            </a:r>
+            <a:r>
+              <a:rPr lang="hu-HU" dirty="0" err="1"/>
+              <a:t>funkciu</a:t>
+            </a:r>
+            <a:r>
+              <a:rPr lang="hu-HU" dirty="0"/>
+              <a:t> </a:t>
+            </a:r>
+            <a:r>
+              <a:rPr lang="hu-HU" dirty="0" err="1"/>
+              <a:t>aktivácie</a:t>
+            </a:r>
+            <a:r>
+              <a:rPr lang="hu-HU" dirty="0"/>
+              <a:t> </a:t>
+            </a:r>
+            <a:r>
+              <a:rPr lang="hu-HU" dirty="0" err="1"/>
+              <a:t>sigmoid</a:t>
+            </a:r>
+            <a:r>
+              <a:rPr lang="hu-HU" dirty="0"/>
+              <a:t>.</a:t>
+            </a:r>
+          </a:p>
+          <a:p>
+            <a:pPr algn="just" fontAlgn="t"/>
+            <a:r>
+              <a:rPr lang="hu-HU" dirty="0" err="1" smtClean="0"/>
+              <a:t>Druhá</a:t>
+            </a:r>
+            <a:r>
+              <a:rPr lang="hu-HU" dirty="0" smtClean="0"/>
+              <a:t> </a:t>
+            </a:r>
+            <a:r>
+              <a:rPr lang="hu-HU" dirty="0" err="1"/>
+              <a:t>skrytá</a:t>
+            </a:r>
+            <a:r>
+              <a:rPr lang="hu-HU" dirty="0"/>
+              <a:t> </a:t>
+            </a:r>
+            <a:r>
+              <a:rPr lang="hu-HU" dirty="0" err="1"/>
+              <a:t>vrstva</a:t>
+            </a:r>
+            <a:r>
+              <a:rPr lang="hu-HU" dirty="0"/>
+              <a:t> </a:t>
+            </a:r>
+            <a:r>
+              <a:rPr lang="hu-HU" dirty="0" err="1"/>
+              <a:t>má</a:t>
+            </a:r>
+            <a:r>
+              <a:rPr lang="hu-HU" dirty="0"/>
+              <a:t> 354 </a:t>
+            </a:r>
+            <a:r>
+              <a:rPr lang="hu-HU" dirty="0" err="1"/>
+              <a:t>uzlov</a:t>
+            </a:r>
+            <a:r>
+              <a:rPr lang="hu-HU" dirty="0"/>
+              <a:t> a </a:t>
+            </a:r>
+            <a:r>
+              <a:rPr lang="hu-HU" dirty="0" err="1"/>
+              <a:t>používa</a:t>
+            </a:r>
+            <a:r>
+              <a:rPr lang="hu-HU" dirty="0"/>
+              <a:t> </a:t>
+            </a:r>
+            <a:r>
+              <a:rPr lang="hu-HU" dirty="0" err="1"/>
+              <a:t>funkciu</a:t>
+            </a:r>
+            <a:r>
+              <a:rPr lang="hu-HU" dirty="0"/>
+              <a:t> </a:t>
+            </a:r>
+            <a:r>
+              <a:rPr lang="hu-HU" dirty="0" err="1"/>
+              <a:t>aktivácie</a:t>
+            </a:r>
+            <a:r>
+              <a:rPr lang="hu-HU" dirty="0"/>
+              <a:t> </a:t>
+            </a:r>
+            <a:r>
+              <a:rPr lang="hu-HU" dirty="0" err="1"/>
+              <a:t>sigmoid</a:t>
+            </a:r>
+            <a:r>
+              <a:rPr lang="hu-HU" dirty="0"/>
+              <a:t>.</a:t>
+            </a:r>
+          </a:p>
+          <a:p>
+            <a:pPr algn="just" fontAlgn="t"/>
+            <a:r>
+              <a:rPr lang="hu-HU" dirty="0" err="1" smtClean="0"/>
+              <a:t>Výstupná</a:t>
+            </a:r>
+            <a:r>
+              <a:rPr lang="hu-HU" dirty="0" smtClean="0"/>
+              <a:t> </a:t>
+            </a:r>
+            <a:r>
+              <a:rPr lang="hu-HU" dirty="0" err="1"/>
+              <a:t>vrstva</a:t>
+            </a:r>
+            <a:r>
+              <a:rPr lang="hu-HU" dirty="0"/>
+              <a:t> </a:t>
+            </a:r>
+            <a:r>
+              <a:rPr lang="hu-HU" dirty="0" err="1"/>
+              <a:t>má</a:t>
+            </a:r>
+            <a:r>
+              <a:rPr lang="hu-HU" dirty="0"/>
+              <a:t> </a:t>
+            </a:r>
+            <a:r>
+              <a:rPr lang="hu-HU" dirty="0" err="1"/>
+              <a:t>dva</a:t>
+            </a:r>
+            <a:r>
+              <a:rPr lang="hu-HU" dirty="0"/>
+              <a:t> </a:t>
+            </a:r>
+            <a:r>
+              <a:rPr lang="hu-HU" dirty="0" err="1" smtClean="0"/>
+              <a:t>uzly</a:t>
+            </a:r>
+            <a:endParaRPr lang="hu-HU" dirty="0" smtClean="0"/>
+          </a:p>
+          <a:p>
+            <a:pPr fontAlgn="t"/>
+            <a:endParaRPr lang="hu-HU" dirty="0" smtClean="0"/>
+          </a:p>
+          <a:p>
+            <a:pPr fontAlgn="t"/>
+            <a:endParaRPr lang="hu-HU" dirty="0"/>
+          </a:p>
+          <a:p>
+            <a:endParaRPr lang="hu-HU" dirty="0"/>
+          </a:p>
+          <a:p>
+            <a:endParaRPr lang="hu-HU" dirty="0" smtClean="0"/>
+          </a:p>
+          <a:p>
+            <a:endParaRPr lang="hu-HU" dirty="0"/>
+          </a:p>
+        </p:txBody>
+      </p:sp>
+      <p:pic>
+        <p:nvPicPr>
+          <p:cNvPr id="7" name="Kép 6"/>
+          <p:cNvPicPr>
+            <a:picLocks noChangeAspect="1"/>
+          </p:cNvPicPr>
+          <p:nvPr/>
+        </p:nvPicPr>
+        <p:blipFill>
+          <a:blip r:embed="rId2">
+            <a:extLst>
+              <a:ext uri="{28A0092B-C50C-407E-A947-70E740481C1C}">
+                <a14:useLocalDpi xmlns:a14="http://schemas.microsoft.com/office/drawing/2010/main" val="0"/>
+              </a:ext>
+            </a:extLst>
+          </a:blip>
+          <a:stretch>
+            <a:fillRect/>
+          </a:stretch>
+        </p:blipFill>
+        <p:spPr>
+          <a:xfrm>
+            <a:off x="1445279" y="5791201"/>
+            <a:ext cx="7925487" cy="678239"/>
+          </a:xfrm>
+          <a:prstGeom prst="rect">
+            <a:avLst/>
+          </a:prstGeom>
+        </p:spPr>
+      </p:pic>
+    </p:spTree>
+    <p:extLst>
+      <p:ext uri="{BB962C8B-B14F-4D97-AF65-F5344CB8AC3E}">
+        <p14:creationId xmlns:p14="http://schemas.microsoft.com/office/powerpoint/2010/main" val="577761885"/>
+      </p:ext>
+    </p:extLst>
+  </p:cSld>
+  <p:clrMapOvr>
+    <a:masterClrMapping/>
+  </p:clrMapOvr>
+</p:sld>
+</file>
+
+<file path=ppt/slides/slide8.xml><?xml version="1.0" encoding="utf-8"?>
+<p:sld xmlns:a="http://schemas.openxmlformats.org/drawingml/2006/main" xmlns:r="http://schemas.openxmlformats.org/officeDocument/2006/relationships" xmlns:p="http://schemas.openxmlformats.org/presentationml/2006/main">
+  <p:cSld>
+    <p:spTree>
+      <p:nvGrpSpPr>
+        <p:cNvPr id="1" name=""/>
+        <p:cNvGrpSpPr/>
+        <p:nvPr/>
+      </p:nvGrpSpPr>
+      <p:grpSpPr>
+        <a:xfrm>
+          <a:off x="0" y="0"/>
+          <a:ext cx="0" cy="0"/>
+          <a:chOff x="0" y="0"/>
+          <a:chExt cx="0" cy="0"/>
+        </a:xfrm>
+      </p:grpSpPr>
+      <p:sp>
+        <p:nvSpPr>
+          <p:cNvPr id="3" name="Tartalom helye 2"/>
+          <p:cNvSpPr>
+            <a:spLocks noGrp="1"/>
+          </p:cNvSpPr>
+          <p:nvPr>
+            <p:ph idx="1"/>
+          </p:nvPr>
+        </p:nvSpPr>
+        <p:spPr>
+          <a:xfrm>
+            <a:off x="1141412" y="339634"/>
+            <a:ext cx="9905999" cy="5982789"/>
+          </a:xfrm>
+        </p:spPr>
+        <p:txBody>
+          <a:bodyPr>
+            <a:normAutofit fontScale="92500"/>
+          </a:bodyPr>
+          <a:lstStyle/>
+          <a:p>
+            <a:r>
+              <a:rPr lang="hu-HU" dirty="0" err="1"/>
+              <a:t>Teraz</a:t>
+            </a:r>
+            <a:r>
+              <a:rPr lang="hu-HU" dirty="0"/>
+              <a:t>, </a:t>
+            </a:r>
+            <a:r>
+              <a:rPr lang="hu-HU" dirty="0" err="1"/>
+              <a:t>keď</a:t>
+            </a:r>
+            <a:r>
+              <a:rPr lang="hu-HU" dirty="0"/>
+              <a:t> je </a:t>
+            </a:r>
+            <a:r>
+              <a:rPr lang="hu-HU" dirty="0" err="1"/>
+              <a:t>model</a:t>
+            </a:r>
+            <a:r>
+              <a:rPr lang="hu-HU" dirty="0"/>
+              <a:t> </a:t>
+            </a:r>
+            <a:r>
+              <a:rPr lang="hu-HU" dirty="0" err="1"/>
+              <a:t>definovaný</a:t>
+            </a:r>
+            <a:r>
+              <a:rPr lang="hu-HU" dirty="0"/>
+              <a:t>, </a:t>
+            </a:r>
+            <a:r>
+              <a:rPr lang="hu-HU" dirty="0" err="1"/>
+              <a:t>môžeme</a:t>
+            </a:r>
+            <a:r>
+              <a:rPr lang="hu-HU" dirty="0"/>
+              <a:t> </a:t>
+            </a:r>
+            <a:r>
+              <a:rPr lang="hu-HU" dirty="0" err="1"/>
+              <a:t>ho</a:t>
+            </a:r>
+            <a:r>
+              <a:rPr lang="hu-HU" dirty="0"/>
+              <a:t> </a:t>
+            </a:r>
+            <a:r>
+              <a:rPr lang="hu-HU" dirty="0" err="1"/>
+              <a:t>zostaviť</a:t>
+            </a:r>
+            <a:r>
+              <a:rPr lang="hu-HU" dirty="0" smtClean="0"/>
+              <a:t>.</a:t>
+            </a:r>
+          </a:p>
+          <a:p>
+            <a:r>
+              <a:rPr lang="hu-HU" dirty="0" err="1"/>
+              <a:t>Pri</a:t>
+            </a:r>
+            <a:r>
+              <a:rPr lang="hu-HU" dirty="0"/>
+              <a:t> </a:t>
+            </a:r>
+            <a:r>
+              <a:rPr lang="hu-HU" dirty="0" err="1"/>
+              <a:t>kompilácii</a:t>
+            </a:r>
+            <a:r>
+              <a:rPr lang="hu-HU" dirty="0"/>
+              <a:t> </a:t>
+            </a:r>
+            <a:r>
+              <a:rPr lang="hu-HU" dirty="0" err="1"/>
+              <a:t>musíme</a:t>
+            </a:r>
+            <a:r>
+              <a:rPr lang="hu-HU" dirty="0"/>
+              <a:t> </a:t>
+            </a:r>
+            <a:r>
+              <a:rPr lang="hu-HU" dirty="0" err="1"/>
+              <a:t>špecifikovať</a:t>
+            </a:r>
+            <a:r>
+              <a:rPr lang="hu-HU" dirty="0"/>
+              <a:t> </a:t>
+            </a:r>
+            <a:r>
+              <a:rPr lang="hu-HU" dirty="0" err="1"/>
+              <a:t>niektoré</a:t>
+            </a:r>
+            <a:r>
+              <a:rPr lang="hu-HU" dirty="0"/>
+              <a:t> </a:t>
+            </a:r>
+            <a:r>
+              <a:rPr lang="hu-HU" dirty="0" err="1"/>
+              <a:t>ďalšie</a:t>
+            </a:r>
+            <a:r>
+              <a:rPr lang="hu-HU" dirty="0"/>
+              <a:t> </a:t>
+            </a:r>
+            <a:r>
+              <a:rPr lang="hu-HU" dirty="0" err="1"/>
+              <a:t>vlastnosti</a:t>
+            </a:r>
+            <a:r>
+              <a:rPr lang="hu-HU" dirty="0"/>
+              <a:t>, </a:t>
+            </a:r>
+            <a:r>
+              <a:rPr lang="hu-HU" dirty="0" err="1"/>
+              <a:t>ktoré</a:t>
+            </a:r>
+            <a:r>
+              <a:rPr lang="hu-HU" dirty="0"/>
+              <a:t> </a:t>
+            </a:r>
+            <a:r>
+              <a:rPr lang="hu-HU" dirty="0" err="1"/>
+              <a:t>sa</a:t>
+            </a:r>
+            <a:r>
+              <a:rPr lang="hu-HU" dirty="0"/>
+              <a:t> </a:t>
+            </a:r>
+            <a:r>
+              <a:rPr lang="hu-HU" dirty="0" err="1"/>
+              <a:t>vyžadujú</a:t>
+            </a:r>
+            <a:r>
+              <a:rPr lang="hu-HU" dirty="0"/>
+              <a:t> </a:t>
+            </a:r>
+            <a:r>
+              <a:rPr lang="hu-HU" dirty="0" err="1"/>
+              <a:t>pri</a:t>
+            </a:r>
+            <a:r>
+              <a:rPr lang="hu-HU" dirty="0"/>
+              <a:t> </a:t>
+            </a:r>
+            <a:r>
+              <a:rPr lang="hu-HU" dirty="0" err="1"/>
+              <a:t>školení</a:t>
+            </a:r>
+            <a:r>
+              <a:rPr lang="hu-HU" dirty="0"/>
+              <a:t> </a:t>
+            </a:r>
+            <a:r>
+              <a:rPr lang="hu-HU" dirty="0" err="1"/>
+              <a:t>siete</a:t>
+            </a:r>
+            <a:r>
+              <a:rPr lang="hu-HU" dirty="0"/>
+              <a:t>. </a:t>
+            </a:r>
+            <a:r>
+              <a:rPr lang="hu-HU" dirty="0" err="1" smtClean="0"/>
+              <a:t>Pamätajte</a:t>
+            </a:r>
+            <a:r>
+              <a:rPr lang="hu-HU" dirty="0" smtClean="0"/>
+              <a:t>, </a:t>
+            </a:r>
+            <a:r>
+              <a:rPr lang="hu-HU" dirty="0" err="1" smtClean="0"/>
+              <a:t>že</a:t>
+            </a:r>
+            <a:r>
+              <a:rPr lang="hu-HU" dirty="0" smtClean="0"/>
+              <a:t> </a:t>
+            </a:r>
+            <a:r>
+              <a:rPr lang="hu-HU" dirty="0" err="1"/>
+              <a:t>školenie</a:t>
+            </a:r>
+            <a:r>
+              <a:rPr lang="hu-HU" dirty="0"/>
+              <a:t> </a:t>
+            </a:r>
+            <a:r>
+              <a:rPr lang="hu-HU" dirty="0" err="1"/>
+              <a:t>siete</a:t>
+            </a:r>
+            <a:r>
+              <a:rPr lang="hu-HU" dirty="0"/>
+              <a:t> </a:t>
+            </a:r>
+            <a:r>
+              <a:rPr lang="hu-HU" dirty="0" err="1"/>
+              <a:t>znamená</a:t>
+            </a:r>
+            <a:r>
+              <a:rPr lang="hu-HU" dirty="0"/>
+              <a:t> </a:t>
+            </a:r>
+            <a:r>
+              <a:rPr lang="hu-HU" dirty="0" err="1"/>
+              <a:t>nájsť</a:t>
+            </a:r>
+            <a:r>
+              <a:rPr lang="hu-HU" dirty="0"/>
+              <a:t> </a:t>
+            </a:r>
+            <a:r>
+              <a:rPr lang="hu-HU" dirty="0" err="1"/>
+              <a:t>najlepšiu</a:t>
+            </a:r>
+            <a:r>
+              <a:rPr lang="hu-HU" dirty="0"/>
+              <a:t> </a:t>
+            </a:r>
+            <a:r>
+              <a:rPr lang="hu-HU" dirty="0" err="1"/>
+              <a:t>sadu</a:t>
+            </a:r>
+            <a:r>
+              <a:rPr lang="hu-HU" dirty="0"/>
+              <a:t> </a:t>
+            </a:r>
+            <a:r>
+              <a:rPr lang="hu-HU" dirty="0" err="1"/>
+              <a:t>váh</a:t>
+            </a:r>
+            <a:r>
+              <a:rPr lang="hu-HU" dirty="0"/>
+              <a:t> na </a:t>
+            </a:r>
+            <a:r>
+              <a:rPr lang="hu-HU" dirty="0" err="1"/>
+              <a:t>mapovanie</a:t>
+            </a:r>
+            <a:r>
+              <a:rPr lang="hu-HU" dirty="0"/>
+              <a:t> </a:t>
+            </a:r>
+            <a:r>
+              <a:rPr lang="hu-HU" dirty="0" err="1"/>
+              <a:t>vstupov</a:t>
+            </a:r>
+            <a:r>
+              <a:rPr lang="hu-HU" dirty="0"/>
+              <a:t> a </a:t>
+            </a:r>
+            <a:r>
+              <a:rPr lang="hu-HU" dirty="0" err="1"/>
+              <a:t>výstupov</a:t>
+            </a:r>
+            <a:r>
+              <a:rPr lang="hu-HU" dirty="0"/>
+              <a:t> v </a:t>
+            </a:r>
+            <a:r>
+              <a:rPr lang="hu-HU" dirty="0" err="1"/>
+              <a:t>našom</a:t>
+            </a:r>
+            <a:r>
+              <a:rPr lang="hu-HU" dirty="0"/>
+              <a:t> </a:t>
+            </a:r>
+            <a:r>
+              <a:rPr lang="hu-HU" dirty="0" err="1"/>
+              <a:t>súbore</a:t>
+            </a:r>
+            <a:r>
+              <a:rPr lang="hu-HU" dirty="0"/>
+              <a:t> </a:t>
+            </a:r>
+            <a:r>
+              <a:rPr lang="hu-HU" dirty="0" err="1"/>
+              <a:t>údajov</a:t>
+            </a:r>
+            <a:r>
+              <a:rPr lang="hu-HU" dirty="0" smtClean="0"/>
+              <a:t>.</a:t>
+            </a:r>
+          </a:p>
+          <a:p>
+            <a:r>
+              <a:rPr lang="hu-HU" dirty="0" err="1"/>
+              <a:t>Musíme</a:t>
+            </a:r>
+            <a:r>
+              <a:rPr lang="hu-HU" dirty="0"/>
+              <a:t> </a:t>
+            </a:r>
+            <a:r>
+              <a:rPr lang="hu-HU" dirty="0" err="1"/>
+              <a:t>určiť</a:t>
+            </a:r>
+            <a:r>
+              <a:rPr lang="hu-HU" dirty="0"/>
+              <a:t> </a:t>
+            </a:r>
+            <a:r>
+              <a:rPr lang="hu-HU" dirty="0" err="1" smtClean="0"/>
+              <a:t>loss</a:t>
+            </a:r>
+            <a:r>
+              <a:rPr lang="hu-HU" dirty="0" smtClean="0"/>
+              <a:t> </a:t>
+            </a:r>
+            <a:r>
+              <a:rPr lang="hu-HU" dirty="0" err="1"/>
+              <a:t>funkciu</a:t>
+            </a:r>
+            <a:r>
+              <a:rPr lang="hu-HU" dirty="0"/>
+              <a:t>, </a:t>
+            </a:r>
+            <a:r>
+              <a:rPr lang="hu-HU" dirty="0" err="1"/>
+              <a:t>ktorá</a:t>
+            </a:r>
+            <a:r>
+              <a:rPr lang="hu-HU" dirty="0"/>
+              <a:t> </a:t>
+            </a:r>
+            <a:r>
+              <a:rPr lang="hu-HU" dirty="0" err="1"/>
+              <a:t>sa</a:t>
+            </a:r>
+            <a:r>
+              <a:rPr lang="hu-HU" dirty="0"/>
+              <a:t> </a:t>
+            </a:r>
+            <a:r>
+              <a:rPr lang="hu-HU" dirty="0" err="1"/>
+              <a:t>použije</a:t>
+            </a:r>
+            <a:r>
+              <a:rPr lang="hu-HU" dirty="0"/>
+              <a:t> na </a:t>
+            </a:r>
+            <a:r>
+              <a:rPr lang="hu-HU" dirty="0" err="1"/>
+              <a:t>vyhodnotenie</a:t>
+            </a:r>
+            <a:r>
+              <a:rPr lang="hu-HU" dirty="0"/>
+              <a:t> </a:t>
+            </a:r>
+            <a:r>
+              <a:rPr lang="hu-HU" dirty="0" err="1"/>
+              <a:t>množiny</a:t>
+            </a:r>
+            <a:r>
+              <a:rPr lang="hu-HU" dirty="0"/>
+              <a:t> </a:t>
+            </a:r>
+            <a:r>
+              <a:rPr lang="hu-HU" dirty="0" err="1"/>
+              <a:t>váh</a:t>
+            </a:r>
+            <a:r>
+              <a:rPr lang="hu-HU" dirty="0"/>
+              <a:t>. </a:t>
+            </a:r>
+            <a:r>
+              <a:rPr lang="hu-HU" dirty="0" err="1"/>
+              <a:t>Optimalizátor</a:t>
+            </a:r>
+            <a:r>
+              <a:rPr lang="hu-HU" dirty="0"/>
+              <a:t> </a:t>
+            </a:r>
+            <a:r>
+              <a:rPr lang="hu-HU" dirty="0" err="1"/>
+              <a:t>sa</a:t>
+            </a:r>
+            <a:r>
+              <a:rPr lang="hu-HU" dirty="0"/>
+              <a:t> </a:t>
+            </a:r>
+            <a:r>
+              <a:rPr lang="hu-HU" dirty="0" err="1"/>
+              <a:t>používa</a:t>
+            </a:r>
+            <a:r>
+              <a:rPr lang="hu-HU" dirty="0"/>
+              <a:t> na </a:t>
+            </a:r>
+            <a:r>
+              <a:rPr lang="hu-HU" dirty="0" err="1"/>
+              <a:t>vyhľadávanie</a:t>
+            </a:r>
+            <a:r>
+              <a:rPr lang="hu-HU" dirty="0"/>
+              <a:t> </a:t>
+            </a:r>
+            <a:r>
+              <a:rPr lang="hu-HU" dirty="0" err="1"/>
+              <a:t>rôznych</a:t>
+            </a:r>
+            <a:r>
+              <a:rPr lang="hu-HU" dirty="0"/>
+              <a:t> </a:t>
+            </a:r>
+            <a:r>
+              <a:rPr lang="hu-HU" dirty="0" err="1"/>
+              <a:t>váh</a:t>
+            </a:r>
+            <a:r>
+              <a:rPr lang="hu-HU" dirty="0"/>
+              <a:t> </a:t>
+            </a:r>
+            <a:r>
+              <a:rPr lang="hu-HU" dirty="0" err="1"/>
+              <a:t>siete</a:t>
+            </a:r>
+            <a:r>
+              <a:rPr lang="hu-HU" dirty="0"/>
+              <a:t> a </a:t>
+            </a:r>
+            <a:r>
+              <a:rPr lang="hu-HU" dirty="0" err="1"/>
+              <a:t>akýchkoľvek</a:t>
+            </a:r>
+            <a:r>
+              <a:rPr lang="hu-HU" dirty="0"/>
+              <a:t> </a:t>
+            </a:r>
+            <a:r>
+              <a:rPr lang="hu-HU" dirty="0" err="1"/>
+              <a:t>voliteľných</a:t>
+            </a:r>
+            <a:r>
+              <a:rPr lang="hu-HU" dirty="0"/>
+              <a:t> </a:t>
+            </a:r>
+            <a:r>
+              <a:rPr lang="hu-HU" dirty="0" err="1"/>
+              <a:t>metrík</a:t>
+            </a:r>
+            <a:r>
+              <a:rPr lang="hu-HU" dirty="0"/>
+              <a:t>, </a:t>
+            </a:r>
+            <a:r>
+              <a:rPr lang="hu-HU" dirty="0" err="1"/>
+              <a:t>ktoré</a:t>
+            </a:r>
+            <a:r>
+              <a:rPr lang="hu-HU" dirty="0"/>
+              <a:t> </a:t>
+            </a:r>
+            <a:r>
+              <a:rPr lang="hu-HU" dirty="0" err="1"/>
+              <a:t>by</a:t>
+            </a:r>
+            <a:r>
+              <a:rPr lang="hu-HU" dirty="0"/>
+              <a:t> </a:t>
+            </a:r>
+            <a:r>
+              <a:rPr lang="hu-HU" dirty="0" err="1"/>
+              <a:t>sme</a:t>
+            </a:r>
+            <a:r>
+              <a:rPr lang="hu-HU" dirty="0"/>
+              <a:t> </a:t>
+            </a:r>
+            <a:r>
+              <a:rPr lang="hu-HU" dirty="0" err="1"/>
+              <a:t>chceli</a:t>
+            </a:r>
+            <a:r>
+              <a:rPr lang="hu-HU" dirty="0"/>
+              <a:t> </a:t>
+            </a:r>
+            <a:r>
+              <a:rPr lang="hu-HU" dirty="0" err="1"/>
+              <a:t>počas</a:t>
+            </a:r>
+            <a:r>
+              <a:rPr lang="hu-HU" dirty="0"/>
+              <a:t> </a:t>
+            </a:r>
+            <a:r>
+              <a:rPr lang="hu-HU" dirty="0" err="1"/>
+              <a:t>tréningu</a:t>
+            </a:r>
+            <a:r>
+              <a:rPr lang="hu-HU" dirty="0"/>
+              <a:t> </a:t>
+            </a:r>
+            <a:r>
+              <a:rPr lang="hu-HU" dirty="0" err="1"/>
+              <a:t>zhromažďovať</a:t>
+            </a:r>
+            <a:r>
+              <a:rPr lang="hu-HU" dirty="0"/>
+              <a:t> a </a:t>
+            </a:r>
+            <a:r>
+              <a:rPr lang="hu-HU" dirty="0" err="1"/>
+              <a:t>vykazovať</a:t>
+            </a:r>
+            <a:r>
+              <a:rPr lang="hu-HU" dirty="0" smtClean="0"/>
+              <a:t>.</a:t>
+            </a:r>
+          </a:p>
+          <a:p>
+            <a:r>
+              <a:rPr lang="hu-HU" dirty="0" err="1"/>
+              <a:t>Optimalizátor</a:t>
+            </a:r>
+            <a:r>
+              <a:rPr lang="hu-HU" dirty="0"/>
+              <a:t> </a:t>
+            </a:r>
+            <a:r>
+              <a:rPr lang="hu-HU" dirty="0" err="1"/>
+              <a:t>definujeme</a:t>
+            </a:r>
+            <a:r>
+              <a:rPr lang="hu-HU" dirty="0"/>
+              <a:t> </a:t>
+            </a:r>
+            <a:r>
+              <a:rPr lang="hu-HU" dirty="0" err="1"/>
+              <a:t>ako</a:t>
+            </a:r>
+            <a:r>
+              <a:rPr lang="hu-HU" dirty="0"/>
+              <a:t> </a:t>
+            </a:r>
+            <a:r>
+              <a:rPr lang="hu-HU" dirty="0" err="1"/>
+              <a:t>efektívny</a:t>
+            </a:r>
+            <a:r>
+              <a:rPr lang="hu-HU" dirty="0"/>
+              <a:t> algoritmus </a:t>
+            </a:r>
+            <a:r>
+              <a:rPr lang="hu-HU" dirty="0" err="1"/>
+              <a:t>zostupného</a:t>
+            </a:r>
+            <a:r>
+              <a:rPr lang="hu-HU" dirty="0"/>
+              <a:t> </a:t>
+            </a:r>
+            <a:r>
+              <a:rPr lang="hu-HU" dirty="0" err="1"/>
+              <a:t>stochastického</a:t>
+            </a:r>
+            <a:r>
+              <a:rPr lang="hu-HU" dirty="0"/>
+              <a:t> </a:t>
+            </a:r>
+            <a:r>
+              <a:rPr lang="hu-HU" dirty="0" err="1"/>
+              <a:t>gradientu</a:t>
+            </a:r>
+            <a:r>
+              <a:rPr lang="hu-HU" dirty="0"/>
+              <a:t> „</a:t>
+            </a:r>
+            <a:r>
+              <a:rPr lang="hu-HU" dirty="0" err="1"/>
+              <a:t>adam</a:t>
+            </a:r>
+            <a:r>
+              <a:rPr lang="hu-HU" dirty="0" smtClean="0"/>
+              <a:t>“.</a:t>
+            </a:r>
+          </a:p>
+          <a:p>
+            <a:r>
+              <a:rPr lang="hu-HU" dirty="0" err="1"/>
+              <a:t>Toto</a:t>
+            </a:r>
+            <a:r>
+              <a:rPr lang="hu-HU" dirty="0"/>
+              <a:t> je </a:t>
+            </a:r>
+            <a:r>
+              <a:rPr lang="hu-HU" dirty="0" err="1"/>
+              <a:t>populárna</a:t>
+            </a:r>
+            <a:r>
+              <a:rPr lang="hu-HU" dirty="0"/>
+              <a:t> </a:t>
+            </a:r>
+            <a:r>
+              <a:rPr lang="hu-HU" dirty="0" err="1"/>
+              <a:t>verzia</a:t>
+            </a:r>
+            <a:r>
+              <a:rPr lang="hu-HU" dirty="0"/>
+              <a:t> </a:t>
+            </a:r>
+            <a:r>
+              <a:rPr lang="hu-HU" dirty="0" err="1"/>
+              <a:t>klesania</a:t>
+            </a:r>
+            <a:r>
+              <a:rPr lang="hu-HU" dirty="0"/>
+              <a:t>, </a:t>
+            </a:r>
+            <a:r>
+              <a:rPr lang="hu-HU" dirty="0" err="1"/>
+              <a:t>pretože</a:t>
+            </a:r>
+            <a:r>
+              <a:rPr lang="hu-HU" dirty="0"/>
+              <a:t> </a:t>
+            </a:r>
+            <a:r>
+              <a:rPr lang="hu-HU" dirty="0" err="1"/>
+              <a:t>sa</a:t>
+            </a:r>
+            <a:r>
+              <a:rPr lang="hu-HU" dirty="0"/>
+              <a:t> </a:t>
+            </a:r>
+            <a:r>
+              <a:rPr lang="hu-HU" dirty="0" err="1"/>
+              <a:t>automaticky</a:t>
+            </a:r>
+            <a:r>
+              <a:rPr lang="hu-HU" dirty="0"/>
+              <a:t> </a:t>
+            </a:r>
+            <a:r>
+              <a:rPr lang="hu-HU" dirty="0" err="1"/>
+              <a:t>naladí</a:t>
+            </a:r>
+            <a:r>
+              <a:rPr lang="hu-HU" dirty="0"/>
+              <a:t> a </a:t>
+            </a:r>
+            <a:r>
+              <a:rPr lang="hu-HU" dirty="0" err="1"/>
+              <a:t>poskytuje</a:t>
+            </a:r>
+            <a:r>
+              <a:rPr lang="hu-HU" dirty="0"/>
+              <a:t> </a:t>
+            </a:r>
+            <a:r>
+              <a:rPr lang="hu-HU" dirty="0" err="1"/>
+              <a:t>dobré</a:t>
+            </a:r>
+            <a:r>
+              <a:rPr lang="hu-HU" dirty="0"/>
+              <a:t> </a:t>
+            </a:r>
+            <a:r>
+              <a:rPr lang="hu-HU" dirty="0" err="1"/>
+              <a:t>výsledky</a:t>
+            </a:r>
+            <a:r>
+              <a:rPr lang="hu-HU" dirty="0"/>
+              <a:t> </a:t>
+            </a:r>
+            <a:r>
+              <a:rPr lang="hu-HU" dirty="0" err="1"/>
+              <a:t>pri</a:t>
+            </a:r>
+            <a:r>
+              <a:rPr lang="hu-HU" dirty="0"/>
+              <a:t> </a:t>
+            </a:r>
+            <a:r>
+              <a:rPr lang="hu-HU" dirty="0" err="1"/>
+              <a:t>mnohých</a:t>
+            </a:r>
+            <a:r>
+              <a:rPr lang="hu-HU" dirty="0"/>
+              <a:t> </a:t>
+            </a:r>
+            <a:r>
+              <a:rPr lang="hu-HU" dirty="0" err="1"/>
+              <a:t>problémoch</a:t>
+            </a:r>
+            <a:r>
+              <a:rPr lang="hu-HU" dirty="0" smtClean="0"/>
+              <a:t>.</a:t>
+            </a:r>
+          </a:p>
+          <a:p>
+            <a:r>
+              <a:rPr lang="hu-HU" dirty="0" err="1" smtClean="0"/>
+              <a:t>Nakoniec</a:t>
+            </a:r>
+            <a:r>
+              <a:rPr lang="hu-HU" dirty="0"/>
+              <a:t>, </a:t>
+            </a:r>
+            <a:r>
+              <a:rPr lang="hu-HU" dirty="0" err="1"/>
+              <a:t>pretože</a:t>
+            </a:r>
+            <a:r>
+              <a:rPr lang="hu-HU" dirty="0"/>
+              <a:t> ide o </a:t>
+            </a:r>
+            <a:r>
+              <a:rPr lang="hu-HU" dirty="0" err="1"/>
+              <a:t>problém</a:t>
+            </a:r>
+            <a:r>
+              <a:rPr lang="hu-HU" dirty="0"/>
+              <a:t> s </a:t>
+            </a:r>
+            <a:r>
+              <a:rPr lang="hu-HU" dirty="0" err="1"/>
+              <a:t>klasifikáciou</a:t>
+            </a:r>
+            <a:r>
+              <a:rPr lang="hu-HU" dirty="0"/>
+              <a:t>, </a:t>
+            </a:r>
+            <a:r>
+              <a:rPr lang="hu-HU" dirty="0" err="1"/>
+              <a:t>zhromaždíme</a:t>
+            </a:r>
+            <a:r>
+              <a:rPr lang="hu-HU" dirty="0"/>
+              <a:t> a </a:t>
+            </a:r>
+            <a:r>
+              <a:rPr lang="hu-HU" dirty="0" err="1"/>
+              <a:t>nahlásime</a:t>
+            </a:r>
+            <a:r>
+              <a:rPr lang="hu-HU" dirty="0"/>
+              <a:t> </a:t>
+            </a:r>
+            <a:r>
+              <a:rPr lang="hu-HU" dirty="0" err="1"/>
+              <a:t>presnosť</a:t>
+            </a:r>
+            <a:r>
+              <a:rPr lang="hu-HU" dirty="0"/>
+              <a:t> </a:t>
+            </a:r>
+            <a:r>
+              <a:rPr lang="hu-HU" dirty="0" err="1"/>
+              <a:t>klasifikácie</a:t>
+            </a:r>
+            <a:r>
+              <a:rPr lang="hu-HU" dirty="0"/>
+              <a:t> </a:t>
+            </a:r>
+            <a:r>
+              <a:rPr lang="hu-HU" dirty="0" err="1"/>
+              <a:t>definovanú</a:t>
+            </a:r>
+            <a:r>
+              <a:rPr lang="hu-HU" dirty="0"/>
+              <a:t> </a:t>
+            </a:r>
+            <a:r>
+              <a:rPr lang="hu-HU" dirty="0" err="1"/>
+              <a:t>pomocou</a:t>
+            </a:r>
+            <a:r>
+              <a:rPr lang="hu-HU" dirty="0"/>
+              <a:t> </a:t>
+            </a:r>
+            <a:r>
+              <a:rPr lang="hu-HU" dirty="0" err="1"/>
+              <a:t>argumentu</a:t>
+            </a:r>
+            <a:r>
+              <a:rPr lang="hu-HU" dirty="0"/>
+              <a:t> </a:t>
+            </a:r>
+            <a:r>
+              <a:rPr lang="hu-HU" dirty="0" err="1"/>
+              <a:t>metriky</a:t>
+            </a:r>
+            <a:r>
+              <a:rPr lang="hu-HU" dirty="0"/>
+              <a:t>.</a:t>
+            </a:r>
+          </a:p>
+        </p:txBody>
+      </p:sp>
+    </p:spTree>
+    <p:extLst>
+      <p:ext uri="{BB962C8B-B14F-4D97-AF65-F5344CB8AC3E}">
+        <p14:creationId xmlns:p14="http://schemas.microsoft.com/office/powerpoint/2010/main" val="3810762098"/>
+      </p:ext>
+    </p:extLst>
+  </p:cSld>
+  <p:clrMapOvr>
+    <a:masterClrMapping/>
+  </p:clrMapOvr>
+</p:sld>
+</file>
+
+<file path=ppt/slides/slide9.xml><?xml version="1.0" encoding="utf-8"?>
+<p:sld xmlns:a="http://schemas.openxmlformats.org/drawingml/2006/main" xmlns:r="http://schemas.openxmlformats.org/officeDocument/2006/relationships" xmlns:p="http://schemas.openxmlformats.org/presentationml/2006/main">
+  <p:cSld>
+    <p:spTree>
+      <p:nvGrpSpPr>
+        <p:cNvPr id="1" name=""/>
+        <p:cNvGrpSpPr/>
+        <p:nvPr/>
+      </p:nvGrpSpPr>
+      <p:grpSpPr>
+        <a:xfrm>
+          <a:off x="0" y="0"/>
+          <a:ext cx="0" cy="0"/>
+          <a:chOff x="0" y="0"/>
+          <a:chExt cx="0" cy="0"/>
+        </a:xfrm>
+      </p:grpSpPr>
+      <p:sp>
+        <p:nvSpPr>
+          <p:cNvPr id="3" name="Tartalom helye 2"/>
+          <p:cNvSpPr>
+            <a:spLocks noGrp="1"/>
+          </p:cNvSpPr>
+          <p:nvPr>
+            <p:ph idx="1"/>
+          </p:nvPr>
+        </p:nvSpPr>
+        <p:spPr>
+          <a:xfrm>
+            <a:off x="1141412" y="243840"/>
+            <a:ext cx="9905999" cy="6331131"/>
+          </a:xfrm>
+        </p:spPr>
+        <p:txBody>
+          <a:bodyPr/>
+          <a:lstStyle/>
+          <a:p>
+            <a:pPr algn="just"/>
+            <a:r>
+              <a:rPr lang="hu-HU" dirty="0" err="1"/>
+              <a:t>Môžeme</a:t>
+            </a:r>
+            <a:r>
+              <a:rPr lang="hu-HU" dirty="0"/>
+              <a:t> </a:t>
+            </a:r>
+            <a:r>
+              <a:rPr lang="hu-HU" dirty="0" err="1"/>
+              <a:t>trénovať</a:t>
+            </a:r>
+            <a:r>
+              <a:rPr lang="hu-HU" dirty="0"/>
+              <a:t> </a:t>
+            </a:r>
+            <a:r>
+              <a:rPr lang="hu-HU" dirty="0" err="1"/>
+              <a:t>alebo</a:t>
+            </a:r>
+            <a:r>
+              <a:rPr lang="hu-HU" dirty="0"/>
+              <a:t> </a:t>
+            </a:r>
+            <a:r>
+              <a:rPr lang="hu-HU" dirty="0" err="1"/>
+              <a:t>prispôsobiť</a:t>
+            </a:r>
+            <a:r>
+              <a:rPr lang="hu-HU" dirty="0"/>
+              <a:t> </a:t>
+            </a:r>
+            <a:r>
+              <a:rPr lang="hu-HU" dirty="0" err="1"/>
+              <a:t>náš</a:t>
+            </a:r>
+            <a:r>
+              <a:rPr lang="hu-HU" dirty="0"/>
+              <a:t> </a:t>
+            </a:r>
+            <a:r>
+              <a:rPr lang="hu-HU" dirty="0" err="1"/>
+              <a:t>model</a:t>
+            </a:r>
+            <a:r>
+              <a:rPr lang="hu-HU" dirty="0"/>
+              <a:t> na </a:t>
+            </a:r>
+            <a:r>
+              <a:rPr lang="hu-HU" dirty="0" err="1"/>
+              <a:t>naše</a:t>
+            </a:r>
+            <a:r>
+              <a:rPr lang="hu-HU" dirty="0"/>
+              <a:t> </a:t>
+            </a:r>
+            <a:r>
+              <a:rPr lang="hu-HU" dirty="0" err="1"/>
+              <a:t>načítané</a:t>
+            </a:r>
+            <a:r>
+              <a:rPr lang="hu-HU" dirty="0"/>
+              <a:t> </a:t>
+            </a:r>
+            <a:r>
+              <a:rPr lang="hu-HU" dirty="0" err="1"/>
+              <a:t>údaje</a:t>
+            </a:r>
+            <a:r>
+              <a:rPr lang="hu-HU" dirty="0"/>
+              <a:t> </a:t>
+            </a:r>
+            <a:r>
+              <a:rPr lang="hu-HU" dirty="0" err="1"/>
+              <a:t>tak</a:t>
+            </a:r>
+            <a:r>
+              <a:rPr lang="hu-HU" dirty="0"/>
+              <a:t>, </a:t>
+            </a:r>
+            <a:r>
+              <a:rPr lang="hu-HU" dirty="0" err="1"/>
+              <a:t>že</a:t>
+            </a:r>
+            <a:r>
+              <a:rPr lang="hu-HU" dirty="0"/>
+              <a:t> na </a:t>
+            </a:r>
+            <a:r>
+              <a:rPr lang="hu-HU" dirty="0" err="1"/>
+              <a:t>model</a:t>
+            </a:r>
+            <a:r>
+              <a:rPr lang="hu-HU" dirty="0"/>
+              <a:t> </a:t>
+            </a:r>
+            <a:r>
+              <a:rPr lang="hu-HU" dirty="0" err="1"/>
+              <a:t>zavoláme</a:t>
+            </a:r>
+            <a:r>
+              <a:rPr lang="hu-HU" dirty="0"/>
+              <a:t> </a:t>
+            </a:r>
+            <a:r>
+              <a:rPr lang="hu-HU" dirty="0" err="1"/>
+              <a:t>funkciu</a:t>
+            </a:r>
+            <a:r>
+              <a:rPr lang="hu-HU" dirty="0"/>
+              <a:t> fit ().</a:t>
+            </a:r>
+          </a:p>
+          <a:p>
+            <a:pPr algn="just"/>
+            <a:r>
+              <a:rPr lang="hu-HU" dirty="0" err="1" smtClean="0"/>
+              <a:t>Výcvik</a:t>
+            </a:r>
+            <a:r>
+              <a:rPr lang="hu-HU" dirty="0" smtClean="0"/>
+              <a:t> </a:t>
+            </a:r>
+            <a:r>
+              <a:rPr lang="hu-HU" dirty="0" err="1"/>
+              <a:t>prebieha</a:t>
+            </a:r>
+            <a:r>
+              <a:rPr lang="hu-HU" dirty="0"/>
+              <a:t> </a:t>
+            </a:r>
+            <a:r>
+              <a:rPr lang="hu-HU" dirty="0" err="1"/>
+              <a:t>počas</a:t>
+            </a:r>
+            <a:r>
+              <a:rPr lang="hu-HU" dirty="0"/>
+              <a:t> </a:t>
+            </a:r>
+            <a:r>
+              <a:rPr lang="hu-HU" dirty="0" err="1"/>
+              <a:t>epoch</a:t>
+            </a:r>
+            <a:r>
+              <a:rPr lang="hu-HU" dirty="0"/>
+              <a:t> a </a:t>
+            </a:r>
+            <a:r>
+              <a:rPr lang="hu-HU" dirty="0" err="1"/>
+              <a:t>každá</a:t>
+            </a:r>
+            <a:r>
+              <a:rPr lang="hu-HU" dirty="0"/>
+              <a:t> epocha je </a:t>
+            </a:r>
+            <a:r>
+              <a:rPr lang="hu-HU" dirty="0" err="1"/>
+              <a:t>rozdelená</a:t>
+            </a:r>
+            <a:r>
+              <a:rPr lang="hu-HU" dirty="0"/>
+              <a:t> </a:t>
+            </a:r>
+            <a:r>
+              <a:rPr lang="hu-HU" dirty="0" err="1"/>
+              <a:t>do</a:t>
+            </a:r>
+            <a:r>
+              <a:rPr lang="hu-HU" dirty="0"/>
+              <a:t> </a:t>
+            </a:r>
+            <a:r>
+              <a:rPr lang="hu-HU" dirty="0" err="1"/>
+              <a:t>skupín</a:t>
+            </a:r>
+            <a:r>
+              <a:rPr lang="hu-HU" dirty="0" smtClean="0"/>
+              <a:t>.</a:t>
+            </a:r>
+            <a:endParaRPr lang="hu-HU" dirty="0"/>
+          </a:p>
+          <a:p>
+            <a:pPr algn="just"/>
+            <a:r>
+              <a:rPr lang="hu-HU" dirty="0" err="1" smtClean="0"/>
+              <a:t>Tréningový</a:t>
+            </a:r>
+            <a:r>
+              <a:rPr lang="hu-HU" dirty="0" smtClean="0"/>
+              <a:t> </a:t>
+            </a:r>
+            <a:r>
+              <a:rPr lang="hu-HU" dirty="0" err="1"/>
+              <a:t>proces</a:t>
+            </a:r>
+            <a:r>
+              <a:rPr lang="hu-HU" dirty="0"/>
+              <a:t> </a:t>
+            </a:r>
+            <a:r>
+              <a:rPr lang="hu-HU" dirty="0" err="1"/>
+              <a:t>bude</a:t>
+            </a:r>
+            <a:r>
+              <a:rPr lang="hu-HU" dirty="0"/>
+              <a:t> </a:t>
+            </a:r>
+            <a:r>
+              <a:rPr lang="hu-HU" dirty="0" err="1"/>
+              <a:t>prebiehať</a:t>
+            </a:r>
+            <a:r>
+              <a:rPr lang="hu-HU" dirty="0"/>
+              <a:t> pre </a:t>
+            </a:r>
+            <a:r>
+              <a:rPr lang="hu-HU" dirty="0" err="1"/>
+              <a:t>pevný</a:t>
+            </a:r>
+            <a:r>
+              <a:rPr lang="hu-HU" dirty="0"/>
+              <a:t> </a:t>
+            </a:r>
+            <a:r>
+              <a:rPr lang="hu-HU" dirty="0" err="1"/>
+              <a:t>počet</a:t>
+            </a:r>
+            <a:r>
+              <a:rPr lang="hu-HU" dirty="0"/>
+              <a:t> </a:t>
+            </a:r>
+            <a:r>
+              <a:rPr lang="hu-HU" dirty="0" err="1"/>
+              <a:t>iterácií</a:t>
+            </a:r>
+            <a:r>
+              <a:rPr lang="hu-HU" dirty="0"/>
+              <a:t> </a:t>
+            </a:r>
+            <a:r>
+              <a:rPr lang="hu-HU" dirty="0" err="1"/>
+              <a:t>prostredníctvom</a:t>
+            </a:r>
+            <a:r>
+              <a:rPr lang="hu-HU" dirty="0"/>
+              <a:t> </a:t>
+            </a:r>
+            <a:r>
+              <a:rPr lang="hu-HU" dirty="0" err="1"/>
+              <a:t>súboru</a:t>
+            </a:r>
+            <a:r>
+              <a:rPr lang="hu-HU" dirty="0"/>
+              <a:t> </a:t>
+            </a:r>
+            <a:r>
+              <a:rPr lang="hu-HU" dirty="0" err="1"/>
+              <a:t>údajov</a:t>
+            </a:r>
+            <a:r>
+              <a:rPr lang="hu-HU" dirty="0"/>
+              <a:t> s </a:t>
+            </a:r>
+            <a:r>
+              <a:rPr lang="hu-HU" dirty="0" err="1"/>
+              <a:t>názvom</a:t>
+            </a:r>
+            <a:r>
+              <a:rPr lang="hu-HU" dirty="0"/>
+              <a:t> </a:t>
+            </a:r>
+            <a:r>
+              <a:rPr lang="hu-HU" dirty="0" err="1"/>
+              <a:t>epochy</a:t>
+            </a:r>
+            <a:r>
+              <a:rPr lang="hu-HU" dirty="0"/>
+              <a:t>, </a:t>
+            </a:r>
+            <a:r>
+              <a:rPr lang="hu-HU" dirty="0" err="1"/>
+              <a:t>ktoré</a:t>
+            </a:r>
+            <a:r>
+              <a:rPr lang="hu-HU" dirty="0"/>
+              <a:t> </a:t>
+            </a:r>
+            <a:r>
+              <a:rPr lang="hu-HU" dirty="0" err="1"/>
+              <a:t>musíme</a:t>
+            </a:r>
+            <a:r>
+              <a:rPr lang="hu-HU" dirty="0"/>
+              <a:t> </a:t>
+            </a:r>
+            <a:r>
+              <a:rPr lang="hu-HU" dirty="0" err="1"/>
+              <a:t>špecifikovať</a:t>
+            </a:r>
+            <a:r>
+              <a:rPr lang="hu-HU" dirty="0"/>
+              <a:t> </a:t>
+            </a:r>
+            <a:r>
+              <a:rPr lang="hu-HU" dirty="0" err="1"/>
+              <a:t>pomocou</a:t>
+            </a:r>
+            <a:r>
+              <a:rPr lang="hu-HU" dirty="0"/>
+              <a:t> </a:t>
+            </a:r>
+            <a:r>
+              <a:rPr lang="hu-HU" dirty="0" err="1"/>
+              <a:t>argumentu</a:t>
+            </a:r>
+            <a:r>
+              <a:rPr lang="hu-HU" dirty="0"/>
+              <a:t> </a:t>
+            </a:r>
+            <a:r>
+              <a:rPr lang="hu-HU" dirty="0" err="1"/>
+              <a:t>epochy</a:t>
+            </a:r>
+            <a:r>
+              <a:rPr lang="hu-HU" dirty="0"/>
+              <a:t>. </a:t>
+            </a:r>
+            <a:r>
+              <a:rPr lang="hu-HU" dirty="0" err="1"/>
+              <a:t>Musíme</a:t>
+            </a:r>
+            <a:r>
+              <a:rPr lang="hu-HU" dirty="0"/>
+              <a:t> </a:t>
+            </a:r>
+            <a:r>
+              <a:rPr lang="hu-HU" dirty="0" err="1"/>
+              <a:t>tiež</a:t>
+            </a:r>
+            <a:r>
+              <a:rPr lang="hu-HU" dirty="0"/>
+              <a:t> </a:t>
+            </a:r>
+            <a:r>
+              <a:rPr lang="hu-HU" dirty="0" err="1"/>
+              <a:t>nastaviť</a:t>
+            </a:r>
+            <a:r>
+              <a:rPr lang="hu-HU" dirty="0"/>
+              <a:t> </a:t>
+            </a:r>
+            <a:r>
+              <a:rPr lang="hu-HU" dirty="0" err="1"/>
+              <a:t>počet</a:t>
+            </a:r>
+            <a:r>
+              <a:rPr lang="hu-HU" dirty="0"/>
+              <a:t> </a:t>
+            </a:r>
+            <a:r>
+              <a:rPr lang="hu-HU" dirty="0" err="1"/>
+              <a:t>riadkov</a:t>
+            </a:r>
+            <a:r>
+              <a:rPr lang="hu-HU" dirty="0"/>
+              <a:t> </a:t>
+            </a:r>
+            <a:r>
+              <a:rPr lang="hu-HU" dirty="0" err="1"/>
+              <a:t>množiny</a:t>
+            </a:r>
+            <a:r>
+              <a:rPr lang="hu-HU" dirty="0"/>
+              <a:t> </a:t>
+            </a:r>
+            <a:r>
+              <a:rPr lang="hu-HU" dirty="0" err="1"/>
+              <a:t>údajov</a:t>
+            </a:r>
+            <a:r>
+              <a:rPr lang="hu-HU" dirty="0"/>
+              <a:t>, </a:t>
+            </a:r>
+            <a:r>
+              <a:rPr lang="hu-HU" dirty="0" err="1"/>
+              <a:t>ktoré</a:t>
+            </a:r>
+            <a:r>
+              <a:rPr lang="hu-HU" dirty="0"/>
+              <a:t> </a:t>
+            </a:r>
+            <a:r>
+              <a:rPr lang="hu-HU" dirty="0" err="1"/>
+              <a:t>sa</a:t>
+            </a:r>
+            <a:r>
+              <a:rPr lang="hu-HU" dirty="0"/>
+              <a:t> </a:t>
+            </a:r>
+            <a:r>
+              <a:rPr lang="hu-HU" dirty="0" err="1"/>
+              <a:t>zvažujú</a:t>
+            </a:r>
+            <a:r>
+              <a:rPr lang="hu-HU" dirty="0"/>
+              <a:t> </a:t>
+            </a:r>
+            <a:r>
+              <a:rPr lang="hu-HU" dirty="0" err="1"/>
+              <a:t>pred</a:t>
+            </a:r>
+            <a:r>
+              <a:rPr lang="hu-HU" dirty="0"/>
+              <a:t> </a:t>
+            </a:r>
+            <a:r>
+              <a:rPr lang="hu-HU" dirty="0" err="1"/>
+              <a:t>aktualizáciou</a:t>
+            </a:r>
+            <a:r>
+              <a:rPr lang="hu-HU" dirty="0"/>
+              <a:t> </a:t>
+            </a:r>
+            <a:r>
+              <a:rPr lang="hu-HU" dirty="0" err="1"/>
+              <a:t>hmotností</a:t>
+            </a:r>
+            <a:r>
+              <a:rPr lang="hu-HU" dirty="0"/>
+              <a:t> </a:t>
+            </a:r>
+            <a:r>
+              <a:rPr lang="hu-HU" dirty="0" err="1"/>
+              <a:t>modelu</a:t>
+            </a:r>
+            <a:r>
+              <a:rPr lang="hu-HU" dirty="0"/>
+              <a:t> v </a:t>
+            </a:r>
+            <a:r>
+              <a:rPr lang="hu-HU" dirty="0" err="1"/>
+              <a:t>rámci</a:t>
+            </a:r>
+            <a:r>
+              <a:rPr lang="hu-HU" dirty="0"/>
+              <a:t> </a:t>
+            </a:r>
+            <a:r>
+              <a:rPr lang="hu-HU" dirty="0" err="1"/>
+              <a:t>každej</a:t>
+            </a:r>
+            <a:r>
+              <a:rPr lang="hu-HU" dirty="0"/>
+              <a:t> </a:t>
+            </a:r>
+            <a:r>
+              <a:rPr lang="hu-HU" dirty="0" err="1" smtClean="0"/>
+              <a:t>epochy</a:t>
+            </a:r>
+            <a:r>
+              <a:rPr lang="hu-HU" smtClean="0"/>
+              <a:t>.</a:t>
+            </a:r>
+            <a:endParaRPr lang="hu-HU" dirty="0" smtClean="0"/>
+          </a:p>
+          <a:p>
+            <a:endParaRPr lang="hu-HU" dirty="0" smtClean="0"/>
+          </a:p>
+          <a:p>
+            <a:endParaRPr lang="hu-HU" dirty="0"/>
+          </a:p>
+        </p:txBody>
+      </p:sp>
+    </p:spTree>
+    <p:extLst>
+      <p:ext uri="{BB962C8B-B14F-4D97-AF65-F5344CB8AC3E}">
+        <p14:creationId xmlns:p14="http://schemas.microsoft.com/office/powerpoint/2010/main" val="1022948684"/>
       </p:ext>
     </p:extLst>
   </p:cSld>
